--- a/Presentation.pptx
+++ b/Presentation.pptx
@@ -5,10 +5,10 @@
     <p:sldMasterId id="2147483648" r:id="rId1"/>
   </p:sldMasterIdLst>
   <p:notesMasterIdLst>
-    <p:notesMasterId r:id="rId38"/>
+    <p:notesMasterId r:id="rId39"/>
   </p:notesMasterIdLst>
   <p:handoutMasterIdLst>
-    <p:handoutMasterId r:id="rId39"/>
+    <p:handoutMasterId r:id="rId40"/>
   </p:handoutMasterIdLst>
   <p:sldIdLst>
     <p:sldId id="323" r:id="rId2"/>
@@ -43,10 +43,11 @@
     <p:sldId id="296" r:id="rId31"/>
     <p:sldId id="300" r:id="rId32"/>
     <p:sldId id="305" r:id="rId33"/>
-    <p:sldId id="303" r:id="rId34"/>
-    <p:sldId id="327" r:id="rId35"/>
-    <p:sldId id="329" r:id="rId36"/>
-    <p:sldId id="304" r:id="rId37"/>
+    <p:sldId id="330" r:id="rId34"/>
+    <p:sldId id="303" r:id="rId35"/>
+    <p:sldId id="327" r:id="rId36"/>
+    <p:sldId id="329" r:id="rId37"/>
+    <p:sldId id="304" r:id="rId38"/>
   </p:sldIdLst>
   <p:sldSz cx="9144000" cy="5143500" type="screen16x9"/>
   <p:notesSz cx="6858000" cy="9144000"/>
@@ -165,6 +166,18 @@
     </p:ext>
   </p:extLst>
 </p:presentation>
+</file>
+
+<file path=ppt/commentAuthors.xml><?xml version="1.0" encoding="utf-8"?>
+<p:cmAuthorLst xmlns:a="http://schemas.openxmlformats.org/drawingml/2006/main" xmlns:r="http://schemas.openxmlformats.org/officeDocument/2006/relationships" xmlns:p="http://schemas.openxmlformats.org/presentationml/2006/main">
+  <p:cmAuthor id="1" name="Tincho" initials="T" lastIdx="1" clrIdx="0">
+    <p:extLst>
+      <p:ext uri="{19B8F6BF-5375-455C-9EA6-DF929625EA0E}">
+        <p15:presenceInfo xmlns:p15="http://schemas.microsoft.com/office/powerpoint/2012/main" userId="Tincho" providerId="None"/>
+      </p:ext>
+    </p:extLst>
+  </p:cmAuthor>
+</p:cmAuthorLst>
 </file>
 
 <file path=ppt/handoutMasters/handoutMaster1.xml><?xml version="1.0" encoding="utf-8"?>
@@ -4123,7 +4136,7 @@
                   <a:schemeClr val="bg1"/>
                 </a:solidFill>
               </a:rPr>
-              <a:t>Pjinenborg</a:t>
+              <a:t>Pijnenborg</a:t>
             </a:r>
             <a:endParaRPr lang="en-US" dirty="0">
               <a:solidFill>
@@ -7164,7 +7177,7 @@
           <a:p>
             <a:r>
               <a:rPr lang="en-US" dirty="0"/>
-              <a:t>Latent Dirichlet Allocation</a:t>
+              <a:t>Latent Dirichlet Allocation (LDA)</a:t>
             </a:r>
             <a:endParaRPr lang="en-NL" dirty="0"/>
           </a:p>
@@ -7750,14 +7763,14 @@
             <p:ph idx="1"/>
             <p:extLst>
               <p:ext uri="{D42A27DB-BD31-4B8C-83A1-F6EECF244321}">
-                <p14:modId xmlns:p14="http://schemas.microsoft.com/office/powerpoint/2010/main" val="2292003057"/>
+                <p14:modId xmlns:p14="http://schemas.microsoft.com/office/powerpoint/2010/main" val="1647532474"/>
               </p:ext>
             </p:extLst>
           </p:nvPr>
         </p:nvGraphicFramePr>
         <p:xfrm>
-          <a:off x="1276350" y="2159000"/>
-          <a:ext cx="2792730" cy="921292"/>
+          <a:off x="432000" y="2159000"/>
+          <a:ext cx="3637080" cy="921292"/>
         </p:xfrm>
         <a:graphic>
           <a:graphicData uri="http://schemas.openxmlformats.org/drawingml/2006/table">
@@ -7766,14 +7779,14 @@
                 <a:tableStyleId>{69CF1AB2-1976-4502-BF36-3FF5EA218861}</a:tableStyleId>
               </a:tblPr>
               <a:tblGrid>
-                <a:gridCol w="1695450">
+                <a:gridCol w="2212717">
                   <a:extLst>
                     <a:ext uri="{9D8B030D-6E8A-4147-A177-3AD203B41FA5}">
                       <a16:colId xmlns:a16="http://schemas.microsoft.com/office/drawing/2014/main" val="1885376617"/>
                     </a:ext>
                   </a:extLst>
                 </a:gridCol>
-                <a:gridCol w="1097280">
+                <a:gridCol w="1424363">
                   <a:extLst>
                     <a:ext uri="{9D8B030D-6E8A-4147-A177-3AD203B41FA5}">
                       <a16:colId xmlns:a16="http://schemas.microsoft.com/office/drawing/2014/main" val="1197955058"/>
@@ -7796,12 +7809,12 @@
                         </a:spcAft>
                       </a:pPr>
                       <a:r>
-                        <a:rPr lang="en-US" sz="1100">
+                        <a:rPr lang="en-US" sz="1400" dirty="0">
                           <a:effectLst/>
                         </a:rPr>
                         <a:t>Model perplexity</a:t>
                       </a:r>
-                      <a:endParaRPr lang="en-NL" sz="1100">
+                      <a:endParaRPr lang="en-NL" sz="1400" dirty="0">
                         <a:effectLst/>
                         <a:latin typeface="Calibri" panose="020F0502020204030204" pitchFamily="34" charset="0"/>
                         <a:ea typeface="Calibri" panose="020F0502020204030204" pitchFamily="34" charset="0"/>
@@ -7825,12 +7838,12 @@
                         </a:spcAft>
                       </a:pPr>
                       <a:r>
-                        <a:rPr lang="en-US" sz="1100" b="0" dirty="0">
+                        <a:rPr lang="en-US" sz="1400" b="0" dirty="0">
                           <a:effectLst/>
                         </a:rPr>
                         <a:t>-7.915</a:t>
                       </a:r>
-                      <a:endParaRPr lang="en-NL" sz="1100" b="0" dirty="0">
+                      <a:endParaRPr lang="en-NL" sz="1400" b="0" dirty="0">
                         <a:effectLst/>
                         <a:latin typeface="Calibri" panose="020F0502020204030204" pitchFamily="34" charset="0"/>
                         <a:ea typeface="Calibri" panose="020F0502020204030204" pitchFamily="34" charset="0"/>
@@ -7861,12 +7874,12 @@
                         </a:spcAft>
                       </a:pPr>
                       <a:r>
-                        <a:rPr lang="en-US" sz="1100">
+                        <a:rPr lang="en-US" sz="1400">
                           <a:effectLst/>
                         </a:rPr>
                         <a:t>Topic coherence score</a:t>
                       </a:r>
-                      <a:endParaRPr lang="en-NL" sz="1100">
+                      <a:endParaRPr lang="en-NL" sz="1400">
                         <a:effectLst/>
                         <a:latin typeface="Calibri" panose="020F0502020204030204" pitchFamily="34" charset="0"/>
                         <a:ea typeface="Calibri" panose="020F0502020204030204" pitchFamily="34" charset="0"/>
@@ -7890,12 +7903,12 @@
                         </a:spcAft>
                       </a:pPr>
                       <a:r>
-                        <a:rPr lang="en-US" sz="1100" dirty="0">
+                        <a:rPr lang="en-US" sz="1400" dirty="0">
                           <a:effectLst/>
                         </a:rPr>
                         <a:t>0.445</a:t>
                       </a:r>
-                      <a:endParaRPr lang="en-NL" sz="1100" dirty="0">
+                      <a:endParaRPr lang="en-NL" sz="1400" dirty="0">
                         <a:effectLst/>
                         <a:latin typeface="Calibri" panose="020F0502020204030204" pitchFamily="34" charset="0"/>
                         <a:ea typeface="Calibri" panose="020F0502020204030204" pitchFamily="34" charset="0"/>
@@ -8118,6 +8131,40 @@
             <a:r>
               <a:rPr lang="en-US" dirty="0"/>
               <a:t>median of the pairwise word-similarity scores </a:t>
+            </a:r>
+          </a:p>
+        </p:txBody>
+      </p:sp>
+      <p:sp>
+        <p:nvSpPr>
+          <p:cNvPr id="3" name="Rectángulo 2">
+            <a:extLst>
+              <a:ext uri="{FF2B5EF4-FFF2-40B4-BE49-F238E27FC236}">
+                <a16:creationId xmlns:a16="http://schemas.microsoft.com/office/drawing/2014/main" id="{2D19968E-E9FD-4158-B86A-BC651D3B7094}"/>
+              </a:ext>
+            </a:extLst>
+          </p:cNvPr>
+          <p:cNvSpPr/>
+          <p:nvPr/>
+        </p:nvSpPr>
+        <p:spPr>
+          <a:xfrm>
+            <a:off x="3580827" y="4046951"/>
+            <a:ext cx="5404813" cy="338554"/>
+          </a:xfrm>
+          <a:prstGeom prst="rect">
+            <a:avLst/>
+          </a:prstGeom>
+        </p:spPr>
+        <p:txBody>
+          <a:bodyPr wrap="none">
+            <a:spAutoFit/>
+          </a:bodyPr>
+          <a:lstStyle/>
+          <a:p>
+            <a:r>
+              <a:rPr lang="en-US" sz="1600" i="1" dirty="0"/>
+              <a:t>Newman et al., Automatic Evaluation of Topic Coherence, 2010</a:t>
             </a:r>
           </a:p>
         </p:txBody>
@@ -9726,7 +9773,7 @@
         </p:blipFill>
         <p:spPr bwMode="auto">
           <a:xfrm>
-            <a:off x="549555" y="1626488"/>
+            <a:off x="189555" y="1626488"/>
             <a:ext cx="5731902" cy="2019111"/>
           </a:xfrm>
           <a:prstGeom prst="rect">
@@ -9768,7 +9815,7 @@
         </p:blipFill>
         <p:spPr bwMode="auto">
           <a:xfrm>
-            <a:off x="6342062" y="1851724"/>
+            <a:off x="5982062" y="1851724"/>
             <a:ext cx="2962275" cy="1793875"/>
           </a:xfrm>
           <a:prstGeom prst="rect">
@@ -9953,14 +10000,14 @@
             <p:ph idx="1"/>
             <p:extLst>
               <p:ext uri="{D42A27DB-BD31-4B8C-83A1-F6EECF244321}">
-                <p14:modId xmlns:p14="http://schemas.microsoft.com/office/powerpoint/2010/main" val="258213228"/>
+                <p14:modId xmlns:p14="http://schemas.microsoft.com/office/powerpoint/2010/main" val="2864551054"/>
               </p:ext>
             </p:extLst>
           </p:nvPr>
         </p:nvGraphicFramePr>
         <p:xfrm>
-          <a:off x="1602264" y="1513364"/>
-          <a:ext cx="5937885" cy="2682240"/>
+          <a:off x="172800" y="871200"/>
+          <a:ext cx="7923213" cy="3688080"/>
         </p:xfrm>
         <a:graphic>
           <a:graphicData uri="http://schemas.openxmlformats.org/drawingml/2006/table">
@@ -9969,28 +10016,28 @@
                 <a:tableStyleId>{5C22544A-7EE6-4342-B048-85BDC9FD1C3A}</a:tableStyleId>
               </a:tblPr>
               <a:tblGrid>
-                <a:gridCol w="481330">
+                <a:gridCol w="1130444">
                   <a:extLst>
                     <a:ext uri="{9D8B030D-6E8A-4147-A177-3AD203B41FA5}">
                       <a16:colId xmlns:a16="http://schemas.microsoft.com/office/drawing/2014/main" val="1141857060"/>
                     </a:ext>
                   </a:extLst>
                 </a:gridCol>
-                <a:gridCol w="4160520">
+                <a:gridCol w="5063405">
                   <a:extLst>
                     <a:ext uri="{9D8B030D-6E8A-4147-A177-3AD203B41FA5}">
                       <a16:colId xmlns:a16="http://schemas.microsoft.com/office/drawing/2014/main" val="851093782"/>
                     </a:ext>
                   </a:extLst>
                 </a:gridCol>
-                <a:gridCol w="634365">
+                <a:gridCol w="846465">
                   <a:extLst>
                     <a:ext uri="{9D8B030D-6E8A-4147-A177-3AD203B41FA5}">
                       <a16:colId xmlns:a16="http://schemas.microsoft.com/office/drawing/2014/main" val="692692157"/>
                     </a:ext>
                   </a:extLst>
                 </a:gridCol>
-                <a:gridCol w="661670">
+                <a:gridCol w="882899">
                   <a:extLst>
                     <a:ext uri="{9D8B030D-6E8A-4147-A177-3AD203B41FA5}">
                       <a16:colId xmlns:a16="http://schemas.microsoft.com/office/drawing/2014/main" val="4226610556"/>
@@ -9998,7 +10045,7 @@
                   </a:extLst>
                 </a:gridCol>
               </a:tblGrid>
-              <a:tr h="0">
+              <a:tr h="302219">
                 <a:tc>
                   <a:txBody>
                     <a:bodyPr/>
@@ -10010,12 +10057,12 @@
                         </a:spcAft>
                       </a:pPr>
                       <a:r>
-                        <a:rPr lang="en-US" sz="800">
+                        <a:rPr lang="en-US" sz="1100" dirty="0">
                           <a:effectLst/>
                         </a:rPr>
                         <a:t>Topic number</a:t>
                       </a:r>
-                      <a:endParaRPr lang="en-NL" sz="1100">
+                      <a:endParaRPr lang="en-NL" sz="1800" dirty="0">
                         <a:effectLst/>
                         <a:latin typeface="Calibri" panose="020F0502020204030204" pitchFamily="34" charset="0"/>
                         <a:ea typeface="Calibri" panose="020F0502020204030204" pitchFamily="34" charset="0"/>
@@ -10036,12 +10083,12 @@
                         </a:spcAft>
                       </a:pPr>
                       <a:r>
-                        <a:rPr lang="en-US" sz="800">
+                        <a:rPr lang="en-US" sz="1100">
                           <a:effectLst/>
                         </a:rPr>
                         <a:t>Topic keywords</a:t>
                       </a:r>
-                      <a:endParaRPr lang="en-NL" sz="1100">
+                      <a:endParaRPr lang="en-NL" sz="1800">
                         <a:effectLst/>
                         <a:latin typeface="Calibri" panose="020F0502020204030204" pitchFamily="34" charset="0"/>
                         <a:ea typeface="Calibri" panose="020F0502020204030204" pitchFamily="34" charset="0"/>
@@ -10062,12 +10109,12 @@
                         </a:spcAft>
                       </a:pPr>
                       <a:r>
-                        <a:rPr lang="en-US" sz="800">
+                        <a:rPr lang="en-US" sz="1100">
                           <a:effectLst/>
                         </a:rPr>
                         <a:t>Number of rows</a:t>
                       </a:r>
-                      <a:endParaRPr lang="en-NL" sz="1100">
+                      <a:endParaRPr lang="en-NL" sz="1800">
                         <a:effectLst/>
                         <a:latin typeface="Calibri" panose="020F0502020204030204" pitchFamily="34" charset="0"/>
                         <a:ea typeface="Calibri" panose="020F0502020204030204" pitchFamily="34" charset="0"/>
@@ -10088,12 +10135,12 @@
                         </a:spcAft>
                       </a:pPr>
                       <a:r>
-                        <a:rPr lang="en-US" sz="800">
+                        <a:rPr lang="en-US" sz="1100">
                           <a:effectLst/>
                         </a:rPr>
                         <a:t>Percentage of rows</a:t>
                       </a:r>
-                      <a:endParaRPr lang="en-NL" sz="1100">
+                      <a:endParaRPr lang="en-NL" sz="1800">
                         <a:effectLst/>
                         <a:latin typeface="Calibri" panose="020F0502020204030204" pitchFamily="34" charset="0"/>
                         <a:ea typeface="Calibri" panose="020F0502020204030204" pitchFamily="34" charset="0"/>
@@ -10109,7 +10156,7 @@
                   </a:ext>
                 </a:extLst>
               </a:tr>
-              <a:tr h="0">
+              <a:tr h="151109">
                 <a:tc>
                   <a:txBody>
                     <a:bodyPr/>
@@ -10121,12 +10168,12 @@
                         </a:spcAft>
                       </a:pPr>
                       <a:r>
-                        <a:rPr lang="en-NL" sz="800">
+                        <a:rPr lang="en-NL" sz="1100">
                           <a:effectLst/>
                         </a:rPr>
                         <a:t>0.0</a:t>
                       </a:r>
-                      <a:endParaRPr lang="en-NL" sz="1100">
+                      <a:endParaRPr lang="en-NL" sz="1800">
                         <a:effectLst/>
                         <a:latin typeface="Calibri" panose="020F0502020204030204" pitchFamily="34" charset="0"/>
                         <a:ea typeface="Calibri" panose="020F0502020204030204" pitchFamily="34" charset="0"/>
@@ -10147,12 +10194,12 @@
                         </a:spcAft>
                       </a:pPr>
                       <a:r>
-                        <a:rPr lang="en-NL" sz="800" dirty="0">
+                        <a:rPr lang="en-NL" sz="1100" dirty="0">
                           <a:effectLst/>
                         </a:rPr>
                         <a:t>instruct, edit, photographi, xp, journal, printer, photoshop, adob, learn, write</a:t>
                       </a:r>
-                      <a:endParaRPr lang="en-NL" sz="1100" dirty="0">
+                      <a:endParaRPr lang="en-NL" sz="1800" dirty="0">
                         <a:effectLst/>
                         <a:latin typeface="Calibri" panose="020F0502020204030204" pitchFamily="34" charset="0"/>
                         <a:ea typeface="Calibri" panose="020F0502020204030204" pitchFamily="34" charset="0"/>
@@ -10173,12 +10220,12 @@
                         </a:spcAft>
                       </a:pPr>
                       <a:r>
-                        <a:rPr lang="en-NL" sz="800">
+                        <a:rPr lang="en-NL" sz="1100">
                           <a:effectLst/>
                         </a:rPr>
                         <a:t>1020</a:t>
                       </a:r>
-                      <a:endParaRPr lang="en-NL" sz="1100">
+                      <a:endParaRPr lang="en-NL" sz="1800">
                         <a:effectLst/>
                         <a:latin typeface="Calibri" panose="020F0502020204030204" pitchFamily="34" charset="0"/>
                         <a:ea typeface="Calibri" panose="020F0502020204030204" pitchFamily="34" charset="0"/>
@@ -10199,12 +10246,12 @@
                         </a:spcAft>
                       </a:pPr>
                       <a:r>
-                        <a:rPr lang="en-NL" sz="800">
+                        <a:rPr lang="en-NL" sz="1100">
                           <a:effectLst/>
                         </a:rPr>
                         <a:t>0.0353</a:t>
                       </a:r>
-                      <a:endParaRPr lang="en-NL" sz="1100">
+                      <a:endParaRPr lang="en-NL" sz="1800">
                         <a:effectLst/>
                         <a:latin typeface="Calibri" panose="020F0502020204030204" pitchFamily="34" charset="0"/>
                         <a:ea typeface="Calibri" panose="020F0502020204030204" pitchFamily="34" charset="0"/>
@@ -10220,7 +10267,7 @@
                   </a:ext>
                 </a:extLst>
               </a:tr>
-              <a:tr h="0">
+              <a:tr h="151109">
                 <a:tc>
                   <a:txBody>
                     <a:bodyPr/>
@@ -10232,12 +10279,12 @@
                         </a:spcAft>
                       </a:pPr>
                       <a:r>
-                        <a:rPr lang="en-NL" sz="800">
+                        <a:rPr lang="en-NL" sz="1100">
                           <a:effectLst/>
                         </a:rPr>
                         <a:t>1.0</a:t>
                       </a:r>
-                      <a:endParaRPr lang="en-NL" sz="1100">
+                      <a:endParaRPr lang="en-NL" sz="1800">
                         <a:effectLst/>
                         <a:latin typeface="Calibri" panose="020F0502020204030204" pitchFamily="34" charset="0"/>
                         <a:ea typeface="Calibri" panose="020F0502020204030204" pitchFamily="34" charset="0"/>
@@ -10258,7 +10305,7 @@
                         </a:spcAft>
                       </a:pPr>
                       <a:r>
-                        <a:rPr lang="en-US" sz="800" b="0" kern="1200" dirty="0">
+                        <a:rPr lang="en-US" sz="1100" b="0" kern="1200" dirty="0">
                           <a:solidFill>
                             <a:schemeClr val="dk1"/>
                           </a:solidFill>
@@ -10270,7 +10317,7 @@
                         <a:t>c, wireless, java, </a:t>
                       </a:r>
                       <a:r>
-                        <a:rPr lang="en-US" sz="800" b="0" kern="1200" dirty="0" err="1">
+                        <a:rPr lang="en-US" sz="1100" b="0" kern="1200" dirty="0" err="1">
                           <a:solidFill>
                             <a:schemeClr val="dk1"/>
                           </a:solidFill>
@@ -10282,7 +10329,7 @@
                         <a:t>technolog</a:t>
                       </a:r>
                       <a:r>
-                        <a:rPr lang="en-US" sz="800" b="0" kern="1200" dirty="0">
+                        <a:rPr lang="en-US" sz="1100" b="0" kern="1200" dirty="0">
                           <a:solidFill>
                             <a:schemeClr val="dk1"/>
                           </a:solidFill>
@@ -10294,7 +10341,7 @@
                         <a:t>, consult, intern, </a:t>
                       </a:r>
                       <a:r>
-                        <a:rPr lang="en-US" sz="800" b="0" kern="1200" dirty="0" err="1">
+                        <a:rPr lang="en-US" sz="1100" b="0" kern="1200" dirty="0" err="1">
                           <a:solidFill>
                             <a:schemeClr val="dk1"/>
                           </a:solidFill>
@@ -10306,7 +10353,7 @@
                         <a:t>anim</a:t>
                       </a:r>
                       <a:r>
-                        <a:rPr lang="en-US" sz="800" b="0" kern="1200" dirty="0">
+                        <a:rPr lang="en-US" sz="1100" b="0" kern="1200" dirty="0">
                           <a:solidFill>
                             <a:schemeClr val="dk1"/>
                           </a:solidFill>
@@ -10318,7 +10365,7 @@
                         <a:t>, </a:t>
                       </a:r>
                       <a:r>
-                        <a:rPr lang="en-US" sz="800" b="0" kern="1200" dirty="0" err="1">
+                        <a:rPr lang="en-US" sz="1100" b="0" kern="1200" dirty="0" err="1">
                           <a:solidFill>
                             <a:schemeClr val="dk1"/>
                           </a:solidFill>
@@ -10330,7 +10377,7 @@
                         <a:t>insur</a:t>
                       </a:r>
                       <a:r>
-                        <a:rPr lang="en-US" sz="800" b="0" kern="1200" dirty="0">
+                        <a:rPr lang="en-US" sz="1100" b="0" kern="1200" dirty="0">
                           <a:solidFill>
                             <a:schemeClr val="dk1"/>
                           </a:solidFill>
@@ -10356,12 +10403,12 @@
                         </a:spcAft>
                       </a:pPr>
                       <a:r>
-                        <a:rPr lang="en-NL" sz="800">
+                        <a:rPr lang="en-NL" sz="1100">
                           <a:effectLst/>
                         </a:rPr>
                         <a:t>1465</a:t>
                       </a:r>
-                      <a:endParaRPr lang="en-NL" sz="1100">
+                      <a:endParaRPr lang="en-NL" sz="1800">
                         <a:effectLst/>
                         <a:latin typeface="Calibri" panose="020F0502020204030204" pitchFamily="34" charset="0"/>
                         <a:ea typeface="Calibri" panose="020F0502020204030204" pitchFamily="34" charset="0"/>
@@ -10382,12 +10429,12 @@
                         </a:spcAft>
                       </a:pPr>
                       <a:r>
-                        <a:rPr lang="en-NL" sz="800">
+                        <a:rPr lang="en-NL" sz="1100">
                           <a:effectLst/>
                         </a:rPr>
                         <a:t>0.0506</a:t>
                       </a:r>
-                      <a:endParaRPr lang="en-NL" sz="1100">
+                      <a:endParaRPr lang="en-NL" sz="1800">
                         <a:effectLst/>
                         <a:latin typeface="Calibri" panose="020F0502020204030204" pitchFamily="34" charset="0"/>
                         <a:ea typeface="Calibri" panose="020F0502020204030204" pitchFamily="34" charset="0"/>
@@ -10403,7 +10450,7 @@
                   </a:ext>
                 </a:extLst>
               </a:tr>
-              <a:tr h="0">
+              <a:tr h="151109">
                 <a:tc>
                   <a:txBody>
                     <a:bodyPr/>
@@ -10415,12 +10462,12 @@
                         </a:spcAft>
                       </a:pPr>
                       <a:r>
-                        <a:rPr lang="en-NL" sz="800">
+                        <a:rPr lang="en-NL" sz="1100">
                           <a:effectLst/>
                         </a:rPr>
                         <a:t>2.0</a:t>
                       </a:r>
-                      <a:endParaRPr lang="en-NL" sz="1100">
+                      <a:endParaRPr lang="en-NL" sz="1800">
                         <a:effectLst/>
                         <a:latin typeface="Calibri" panose="020F0502020204030204" pitchFamily="34" charset="0"/>
                         <a:ea typeface="Calibri" panose="020F0502020204030204" pitchFamily="34" charset="0"/>
@@ -10441,12 +10488,12 @@
                         </a:spcAft>
                       </a:pPr>
                       <a:r>
-                        <a:rPr lang="en-NL" sz="800" dirty="0">
+                        <a:rPr lang="en-NL" sz="1100" dirty="0">
                           <a:effectLst/>
                         </a:rPr>
                         <a:t>tax, account, transport, bank, estat, logist, theori, real, python, small</a:t>
                       </a:r>
-                      <a:endParaRPr lang="en-NL" sz="1100" dirty="0">
+                      <a:endParaRPr lang="en-NL" sz="1800" dirty="0">
                         <a:effectLst/>
                         <a:latin typeface="Calibri" panose="020F0502020204030204" pitchFamily="34" charset="0"/>
                         <a:ea typeface="Calibri" panose="020F0502020204030204" pitchFamily="34" charset="0"/>
@@ -10467,12 +10514,12 @@
                         </a:spcAft>
                       </a:pPr>
                       <a:r>
-                        <a:rPr lang="en-NL" sz="800">
+                        <a:rPr lang="en-NL" sz="1100">
                           <a:effectLst/>
                         </a:rPr>
                         <a:t>1286</a:t>
                       </a:r>
-                      <a:endParaRPr lang="en-NL" sz="1100">
+                      <a:endParaRPr lang="en-NL" sz="1800">
                         <a:effectLst/>
                         <a:latin typeface="Calibri" panose="020F0502020204030204" pitchFamily="34" charset="0"/>
                         <a:ea typeface="Calibri" panose="020F0502020204030204" pitchFamily="34" charset="0"/>
@@ -10493,12 +10540,12 @@
                         </a:spcAft>
                       </a:pPr>
                       <a:r>
-                        <a:rPr lang="en-NL" sz="800">
+                        <a:rPr lang="en-NL" sz="1100">
                           <a:effectLst/>
                         </a:rPr>
                         <a:t>0.0444</a:t>
                       </a:r>
-                      <a:endParaRPr lang="en-NL" sz="1100">
+                      <a:endParaRPr lang="en-NL" sz="1800">
                         <a:effectLst/>
                         <a:latin typeface="Calibri" panose="020F0502020204030204" pitchFamily="34" charset="0"/>
                         <a:ea typeface="Calibri" panose="020F0502020204030204" pitchFamily="34" charset="0"/>
@@ -10514,7 +10561,7 @@
                   </a:ext>
                 </a:extLst>
               </a:tr>
-              <a:tr h="0">
+              <a:tr h="151109">
                 <a:tc>
                   <a:txBody>
                     <a:bodyPr/>
@@ -10526,12 +10573,12 @@
                         </a:spcAft>
                       </a:pPr>
                       <a:r>
-                        <a:rPr lang="en-NL" sz="800">
+                        <a:rPr lang="en-NL" sz="1100">
                           <a:effectLst/>
                         </a:rPr>
                         <a:t>3.0</a:t>
                       </a:r>
-                      <a:endParaRPr lang="en-NL" sz="1100">
+                      <a:endParaRPr lang="en-NL" sz="1800">
                         <a:effectLst/>
                         <a:latin typeface="Calibri" panose="020F0502020204030204" pitchFamily="34" charset="0"/>
                         <a:ea typeface="Calibri" panose="020F0502020204030204" pitchFamily="34" charset="0"/>
@@ -10552,12 +10599,12 @@
                         </a:spcAft>
                       </a:pPr>
                       <a:r>
-                        <a:rPr lang="en-NL" sz="800" dirty="0">
+                        <a:rPr lang="en-NL" sz="1100" dirty="0">
                           <a:effectLst/>
                         </a:rPr>
                         <a:t>youth, oper, onlin, safeti, search, yacht, util, commerci, mine, chain</a:t>
                       </a:r>
-                      <a:endParaRPr lang="en-NL" sz="1100" dirty="0">
+                      <a:endParaRPr lang="en-NL" sz="1800" dirty="0">
                         <a:effectLst/>
                         <a:latin typeface="Calibri" panose="020F0502020204030204" pitchFamily="34" charset="0"/>
                         <a:ea typeface="Calibri" panose="020F0502020204030204" pitchFamily="34" charset="0"/>
@@ -10578,12 +10625,12 @@
                         </a:spcAft>
                       </a:pPr>
                       <a:r>
-                        <a:rPr lang="en-NL" sz="800">
+                        <a:rPr lang="en-NL" sz="1100">
                           <a:effectLst/>
                         </a:rPr>
                         <a:t>1087</a:t>
                       </a:r>
-                      <a:endParaRPr lang="en-NL" sz="1100">
+                      <a:endParaRPr lang="en-NL" sz="1800">
                         <a:effectLst/>
                         <a:latin typeface="Calibri" panose="020F0502020204030204" pitchFamily="34" charset="0"/>
                         <a:ea typeface="Calibri" panose="020F0502020204030204" pitchFamily="34" charset="0"/>
@@ -10604,12 +10651,12 @@
                         </a:spcAft>
                       </a:pPr>
                       <a:r>
-                        <a:rPr lang="en-NL" sz="800">
+                        <a:rPr lang="en-NL" sz="1100">
                           <a:effectLst/>
                         </a:rPr>
                         <a:t>0.0376</a:t>
                       </a:r>
-                      <a:endParaRPr lang="en-NL" sz="1100">
+                      <a:endParaRPr lang="en-NL" sz="1800">
                         <a:effectLst/>
                         <a:latin typeface="Calibri" panose="020F0502020204030204" pitchFamily="34" charset="0"/>
                         <a:ea typeface="Calibri" panose="020F0502020204030204" pitchFamily="34" charset="0"/>
@@ -10625,7 +10672,7 @@
                   </a:ext>
                 </a:extLst>
               </a:tr>
-              <a:tr h="0">
+              <a:tr h="151109">
                 <a:tc>
                   <a:txBody>
                     <a:bodyPr/>
@@ -10637,12 +10684,12 @@
                         </a:spcAft>
                       </a:pPr>
                       <a:r>
-                        <a:rPr lang="en-NL" sz="800">
+                        <a:rPr lang="en-NL" sz="1100">
                           <a:effectLst/>
                         </a:rPr>
                         <a:t>4.0</a:t>
                       </a:r>
-                      <a:endParaRPr lang="en-NL" sz="1100">
+                      <a:endParaRPr lang="en-NL" sz="1800">
                         <a:effectLst/>
                         <a:latin typeface="Calibri" panose="020F0502020204030204" pitchFamily="34" charset="0"/>
                         <a:ea typeface="Calibri" panose="020F0502020204030204" pitchFamily="34" charset="0"/>
@@ -10663,12 +10710,12 @@
                         </a:spcAft>
                       </a:pPr>
                       <a:r>
-                        <a:rPr lang="en-NL" sz="800" dirty="0">
+                        <a:rPr lang="en-NL" sz="1100" dirty="0">
                           <a:effectLst/>
                         </a:rPr>
                         <a:t>work, well, skill, linux, custom, learn, power, commun, written, solari</a:t>
                       </a:r>
-                      <a:endParaRPr lang="en-NL" sz="1100" dirty="0">
+                      <a:endParaRPr lang="en-NL" sz="1800" dirty="0">
                         <a:effectLst/>
                         <a:latin typeface="Calibri" panose="020F0502020204030204" pitchFamily="34" charset="0"/>
                         <a:ea typeface="Calibri" panose="020F0502020204030204" pitchFamily="34" charset="0"/>
@@ -10689,12 +10736,12 @@
                         </a:spcAft>
                       </a:pPr>
                       <a:r>
-                        <a:rPr lang="en-NL" sz="800">
+                        <a:rPr lang="en-NL" sz="1100">
                           <a:effectLst/>
                         </a:rPr>
                         <a:t>1646</a:t>
                       </a:r>
-                      <a:endParaRPr lang="en-NL" sz="1100">
+                      <a:endParaRPr lang="en-NL" sz="1800">
                         <a:effectLst/>
                         <a:latin typeface="Calibri" panose="020F0502020204030204" pitchFamily="34" charset="0"/>
                         <a:ea typeface="Calibri" panose="020F0502020204030204" pitchFamily="34" charset="0"/>
@@ -10715,12 +10762,12 @@
                         </a:spcAft>
                       </a:pPr>
                       <a:r>
-                        <a:rPr lang="en-NL" sz="800">
+                        <a:rPr lang="en-NL" sz="1100">
                           <a:effectLst/>
                         </a:rPr>
                         <a:t>0.0569</a:t>
                       </a:r>
-                      <a:endParaRPr lang="en-NL" sz="1100">
+                      <a:endParaRPr lang="en-NL" sz="1800">
                         <a:effectLst/>
                         <a:latin typeface="Calibri" panose="020F0502020204030204" pitchFamily="34" charset="0"/>
                         <a:ea typeface="Calibri" panose="020F0502020204030204" pitchFamily="34" charset="0"/>
@@ -10736,7 +10783,7 @@
                   </a:ext>
                 </a:extLst>
               </a:tr>
-              <a:tr h="0">
+              <a:tr h="151109">
                 <a:tc>
                   <a:txBody>
                     <a:bodyPr/>
@@ -10748,12 +10795,12 @@
                         </a:spcAft>
                       </a:pPr>
                       <a:r>
-                        <a:rPr lang="en-NL" sz="800">
+                        <a:rPr lang="en-NL" sz="1100">
                           <a:effectLst/>
                         </a:rPr>
                         <a:t>5.0</a:t>
                       </a:r>
-                      <a:endParaRPr lang="en-NL" sz="1100">
+                      <a:endParaRPr lang="en-NL" sz="1800">
                         <a:effectLst/>
                         <a:latin typeface="Calibri" panose="020F0502020204030204" pitchFamily="34" charset="0"/>
                         <a:ea typeface="Calibri" panose="020F0502020204030204" pitchFamily="34" charset="0"/>
@@ -10774,12 +10821,12 @@
                         </a:spcAft>
                       </a:pPr>
                       <a:r>
-                        <a:rPr lang="en-NL" sz="800" dirty="0">
+                        <a:rPr lang="en-NL" sz="1100" dirty="0">
                           <a:effectLst/>
                         </a:rPr>
                         <a:t>plan, law, travel, solut, yoga, traffic, protect, analysi, tour, tree</a:t>
                       </a:r>
-                      <a:endParaRPr lang="en-NL" sz="1100" dirty="0">
+                      <a:endParaRPr lang="en-NL" sz="1800" dirty="0">
                         <a:effectLst/>
                         <a:latin typeface="Calibri" panose="020F0502020204030204" pitchFamily="34" charset="0"/>
                         <a:ea typeface="Calibri" panose="020F0502020204030204" pitchFamily="34" charset="0"/>
@@ -10800,12 +10847,12 @@
                         </a:spcAft>
                       </a:pPr>
                       <a:r>
-                        <a:rPr lang="en-NL" sz="800">
+                        <a:rPr lang="en-NL" sz="1100">
                           <a:effectLst/>
                         </a:rPr>
                         <a:t>1088</a:t>
                       </a:r>
-                      <a:endParaRPr lang="en-NL" sz="1100">
+                      <a:endParaRPr lang="en-NL" sz="1800">
                         <a:effectLst/>
                         <a:latin typeface="Calibri" panose="020F0502020204030204" pitchFamily="34" charset="0"/>
                         <a:ea typeface="Calibri" panose="020F0502020204030204" pitchFamily="34" charset="0"/>
@@ -10826,12 +10873,12 @@
                         </a:spcAft>
                       </a:pPr>
                       <a:r>
-                        <a:rPr lang="en-NL" sz="800">
+                        <a:rPr lang="en-NL" sz="1100">
                           <a:effectLst/>
                         </a:rPr>
                         <a:t>0.0376</a:t>
                       </a:r>
-                      <a:endParaRPr lang="en-NL" sz="1100">
+                      <a:endParaRPr lang="en-NL" sz="1800">
                         <a:effectLst/>
                         <a:latin typeface="Calibri" panose="020F0502020204030204" pitchFamily="34" charset="0"/>
                         <a:ea typeface="Calibri" panose="020F0502020204030204" pitchFamily="34" charset="0"/>
@@ -10847,7 +10894,7 @@
                   </a:ext>
                 </a:extLst>
               </a:tr>
-              <a:tr h="0">
+              <a:tr h="151109">
                 <a:tc>
                   <a:txBody>
                     <a:bodyPr/>
@@ -10859,12 +10906,12 @@
                         </a:spcAft>
                       </a:pPr>
                       <a:r>
-                        <a:rPr lang="en-NL" sz="800">
+                        <a:rPr lang="en-NL" sz="1100">
                           <a:effectLst/>
                         </a:rPr>
                         <a:t>6.0</a:t>
                       </a:r>
-                      <a:endParaRPr lang="en-NL" sz="1100">
+                      <a:endParaRPr lang="en-NL" sz="1800">
                         <a:effectLst/>
                         <a:latin typeface="Calibri" panose="020F0502020204030204" pitchFamily="34" charset="0"/>
                         <a:ea typeface="Calibri" panose="020F0502020204030204" pitchFamily="34" charset="0"/>
@@ -10885,12 +10932,12 @@
                         </a:spcAft>
                       </a:pPr>
                       <a:r>
-                        <a:rPr lang="en-NL" sz="800" dirty="0">
+                        <a:rPr lang="en-NL" sz="1100" dirty="0">
                           <a:effectLst/>
                         </a:rPr>
                         <a:t>educ, research, vendor, organ, event, structur, wealth, plan, supervis, direct</a:t>
                       </a:r>
-                      <a:endParaRPr lang="en-NL" sz="1100" dirty="0">
+                      <a:endParaRPr lang="en-NL" sz="1800" dirty="0">
                         <a:effectLst/>
                         <a:latin typeface="Calibri" panose="020F0502020204030204" pitchFamily="34" charset="0"/>
                         <a:ea typeface="Calibri" panose="020F0502020204030204" pitchFamily="34" charset="0"/>
@@ -10911,12 +10958,12 @@
                         </a:spcAft>
                       </a:pPr>
                       <a:r>
-                        <a:rPr lang="en-NL" sz="800">
+                        <a:rPr lang="en-NL" sz="1100">
                           <a:effectLst/>
                         </a:rPr>
                         <a:t>1162</a:t>
                       </a:r>
-                      <a:endParaRPr lang="en-NL" sz="1100">
+                      <a:endParaRPr lang="en-NL" sz="1800">
                         <a:effectLst/>
                         <a:latin typeface="Calibri" panose="020F0502020204030204" pitchFamily="34" charset="0"/>
                         <a:ea typeface="Calibri" panose="020F0502020204030204" pitchFamily="34" charset="0"/>
@@ -10937,12 +10984,12 @@
                         </a:spcAft>
                       </a:pPr>
                       <a:r>
-                        <a:rPr lang="en-NL" sz="800">
+                        <a:rPr lang="en-NL" sz="1100">
                           <a:effectLst/>
                         </a:rPr>
                         <a:t>0.0402</a:t>
                       </a:r>
-                      <a:endParaRPr lang="en-NL" sz="1100">
+                      <a:endParaRPr lang="en-NL" sz="1800">
                         <a:effectLst/>
                         <a:latin typeface="Calibri" panose="020F0502020204030204" pitchFamily="34" charset="0"/>
                         <a:ea typeface="Calibri" panose="020F0502020204030204" pitchFamily="34" charset="0"/>
@@ -10958,7 +11005,7 @@
                   </a:ext>
                 </a:extLst>
               </a:tr>
-              <a:tr h="0">
+              <a:tr h="151109">
                 <a:tc>
                   <a:txBody>
                     <a:bodyPr/>
@@ -10970,12 +11017,12 @@
                         </a:spcAft>
                       </a:pPr>
                       <a:r>
-                        <a:rPr lang="en-NL" sz="800">
+                        <a:rPr lang="en-NL" sz="1100">
                           <a:effectLst/>
                         </a:rPr>
                         <a:t>7.0</a:t>
                       </a:r>
-                      <a:endParaRPr lang="en-NL" sz="1100">
+                      <a:endParaRPr lang="en-NL" sz="1800">
                         <a:effectLst/>
                         <a:latin typeface="Calibri" panose="020F0502020204030204" pitchFamily="34" charset="0"/>
                         <a:ea typeface="Calibri" panose="020F0502020204030204" pitchFamily="34" charset="0"/>
@@ -10996,12 +11043,12 @@
                         </a:spcAft>
                       </a:pPr>
                       <a:r>
-                        <a:rPr lang="en-NL" sz="800" dirty="0">
+                        <a:rPr lang="en-NL" sz="1100" dirty="0">
                           <a:effectLst/>
                         </a:rPr>
                         <a:t>water, javascript, game, css, workplac, php, mysql, jqueri, webspher, studi</a:t>
                       </a:r>
-                      <a:endParaRPr lang="en-NL" sz="1100" dirty="0">
+                      <a:endParaRPr lang="en-NL" sz="1800" dirty="0">
                         <a:effectLst/>
                         <a:latin typeface="Calibri" panose="020F0502020204030204" pitchFamily="34" charset="0"/>
                         <a:ea typeface="Calibri" panose="020F0502020204030204" pitchFamily="34" charset="0"/>
@@ -11022,12 +11069,12 @@
                         </a:spcAft>
                       </a:pPr>
                       <a:r>
-                        <a:rPr lang="en-NL" sz="800">
+                        <a:rPr lang="en-NL" sz="1100">
                           <a:effectLst/>
                         </a:rPr>
                         <a:t>1793</a:t>
                       </a:r>
-                      <a:endParaRPr lang="en-NL" sz="1100">
+                      <a:endParaRPr lang="en-NL" sz="1800">
                         <a:effectLst/>
                         <a:latin typeface="Calibri" panose="020F0502020204030204" pitchFamily="34" charset="0"/>
                         <a:ea typeface="Calibri" panose="020F0502020204030204" pitchFamily="34" charset="0"/>
@@ -11048,12 +11095,12 @@
                         </a:spcAft>
                       </a:pPr>
                       <a:r>
-                        <a:rPr lang="en-NL" sz="800">
+                        <a:rPr lang="en-NL" sz="1100">
                           <a:effectLst/>
                         </a:rPr>
                         <a:t>0.0620</a:t>
                       </a:r>
-                      <a:endParaRPr lang="en-NL" sz="1100">
+                      <a:endParaRPr lang="en-NL" sz="1800">
                         <a:effectLst/>
                         <a:latin typeface="Calibri" panose="020F0502020204030204" pitchFamily="34" charset="0"/>
                         <a:ea typeface="Calibri" panose="020F0502020204030204" pitchFamily="34" charset="0"/>
@@ -11069,7 +11116,7 @@
                   </a:ext>
                 </a:extLst>
               </a:tr>
-              <a:tr h="0">
+              <a:tr h="151109">
                 <a:tc>
                   <a:txBody>
                     <a:bodyPr/>
@@ -11081,12 +11128,12 @@
                         </a:spcAft>
                       </a:pPr>
                       <a:r>
-                        <a:rPr lang="en-NL" sz="800">
+                        <a:rPr lang="en-NL" sz="1100">
                           <a:effectLst/>
                         </a:rPr>
                         <a:t>8.0</a:t>
                       </a:r>
-                      <a:endParaRPr lang="en-NL" sz="1100">
+                      <a:endParaRPr lang="en-NL" sz="1800">
                         <a:effectLst/>
                         <a:latin typeface="Calibri" panose="020F0502020204030204" pitchFamily="34" charset="0"/>
                         <a:ea typeface="Calibri" panose="020F0502020204030204" pitchFamily="34" charset="0"/>
@@ -11107,12 +11154,12 @@
                         </a:spcAft>
                       </a:pPr>
                       <a:r>
-                        <a:rPr lang="en-NL" sz="800" dirty="0">
+                        <a:rPr lang="en-NL" sz="1100" dirty="0">
                           <a:effectLst/>
                         </a:rPr>
                         <a:t>develop, commun, social, workshop, manag, relat, public, person, volunt, present</a:t>
                       </a:r>
-                      <a:endParaRPr lang="en-NL" sz="1100" dirty="0">
+                      <a:endParaRPr lang="en-NL" sz="1800" dirty="0">
                         <a:effectLst/>
                         <a:latin typeface="Calibri" panose="020F0502020204030204" pitchFamily="34" charset="0"/>
                         <a:ea typeface="Calibri" panose="020F0502020204030204" pitchFamily="34" charset="0"/>
@@ -11133,12 +11180,12 @@
                         </a:spcAft>
                       </a:pPr>
                       <a:r>
-                        <a:rPr lang="en-NL" sz="800">
+                        <a:rPr lang="en-NL" sz="1100">
                           <a:effectLst/>
                         </a:rPr>
                         <a:t>1483</a:t>
                       </a:r>
-                      <a:endParaRPr lang="en-NL" sz="1100">
+                      <a:endParaRPr lang="en-NL" sz="1800">
                         <a:effectLst/>
                         <a:latin typeface="Calibri" panose="020F0502020204030204" pitchFamily="34" charset="0"/>
                         <a:ea typeface="Calibri" panose="020F0502020204030204" pitchFamily="34" charset="0"/>
@@ -11159,12 +11206,12 @@
                         </a:spcAft>
                       </a:pPr>
                       <a:r>
-                        <a:rPr lang="en-NL" sz="800">
+                        <a:rPr lang="en-NL" sz="1100">
                           <a:effectLst/>
                         </a:rPr>
                         <a:t>0.0513</a:t>
                       </a:r>
-                      <a:endParaRPr lang="en-NL" sz="1100">
+                      <a:endParaRPr lang="en-NL" sz="1800">
                         <a:effectLst/>
                         <a:latin typeface="Calibri" panose="020F0502020204030204" pitchFamily="34" charset="0"/>
                         <a:ea typeface="Calibri" panose="020F0502020204030204" pitchFamily="34" charset="0"/>
@@ -11180,7 +11227,7 @@
                   </a:ext>
                 </a:extLst>
               </a:tr>
-              <a:tr h="0">
+              <a:tr h="151109">
                 <a:tc>
                   <a:txBody>
                     <a:bodyPr/>
@@ -11192,12 +11239,12 @@
                         </a:spcAft>
                       </a:pPr>
                       <a:r>
-                        <a:rPr lang="en-NL" sz="800">
+                        <a:rPr lang="en-NL" sz="1100">
                           <a:effectLst/>
                         </a:rPr>
                         <a:t>9.0</a:t>
                       </a:r>
-                      <a:endParaRPr lang="en-NL" sz="1100">
+                      <a:endParaRPr lang="en-NL" sz="1800">
                         <a:effectLst/>
                         <a:latin typeface="Calibri" panose="020F0502020204030204" pitchFamily="34" charset="0"/>
                         <a:ea typeface="Calibri" panose="020F0502020204030204" pitchFamily="34" charset="0"/>
@@ -11218,12 +11265,12 @@
                         </a:spcAft>
                       </a:pPr>
                       <a:r>
-                        <a:rPr lang="en-NL" sz="800" dirty="0">
+                        <a:rPr lang="en-NL" sz="1100" dirty="0">
                           <a:effectLst/>
                         </a:rPr>
                         <a:t>video, secur, trade, product, energi, scienc, valu, map, manufactur, librari</a:t>
                       </a:r>
-                      <a:endParaRPr lang="en-NL" sz="1100" dirty="0">
+                      <a:endParaRPr lang="en-NL" sz="1800" dirty="0">
                         <a:effectLst/>
                         <a:latin typeface="Calibri" panose="020F0502020204030204" pitchFamily="34" charset="0"/>
                         <a:ea typeface="Calibri" panose="020F0502020204030204" pitchFamily="34" charset="0"/>
@@ -11244,12 +11291,12 @@
                         </a:spcAft>
                       </a:pPr>
                       <a:r>
-                        <a:rPr lang="en-NL" sz="800">
+                        <a:rPr lang="en-NL" sz="1100">
                           <a:effectLst/>
                         </a:rPr>
                         <a:t>1718</a:t>
                       </a:r>
-                      <a:endParaRPr lang="en-NL" sz="1100">
+                      <a:endParaRPr lang="en-NL" sz="1800">
                         <a:effectLst/>
                         <a:latin typeface="Calibri" panose="020F0502020204030204" pitchFamily="34" charset="0"/>
                         <a:ea typeface="Calibri" panose="020F0502020204030204" pitchFamily="34" charset="0"/>
@@ -11270,12 +11317,12 @@
                         </a:spcAft>
                       </a:pPr>
                       <a:r>
-                        <a:rPr lang="en-NL" sz="800">
+                        <a:rPr lang="en-NL" sz="1100">
                           <a:effectLst/>
                         </a:rPr>
                         <a:t>0.0594</a:t>
                       </a:r>
-                      <a:endParaRPr lang="en-NL" sz="1100">
+                      <a:endParaRPr lang="en-NL" sz="1800">
                         <a:effectLst/>
                         <a:latin typeface="Calibri" panose="020F0502020204030204" pitchFamily="34" charset="0"/>
                         <a:ea typeface="Calibri" panose="020F0502020204030204" pitchFamily="34" charset="0"/>
@@ -11291,7 +11338,7 @@
                   </a:ext>
                 </a:extLst>
               </a:tr>
-              <a:tr h="0">
+              <a:tr h="151109">
                 <a:tc>
                   <a:txBody>
                     <a:bodyPr/>
@@ -11303,12 +11350,12 @@
                         </a:spcAft>
                       </a:pPr>
                       <a:r>
-                        <a:rPr lang="en-NL" sz="800">
+                        <a:rPr lang="en-NL" sz="1100">
                           <a:effectLst/>
                         </a:rPr>
                         <a:t>10.0</a:t>
                       </a:r>
-                      <a:endParaRPr lang="en-NL" sz="1100">
+                      <a:endParaRPr lang="en-NL" sz="1800">
                         <a:effectLst/>
                         <a:latin typeface="Calibri" panose="020F0502020204030204" pitchFamily="34" charset="0"/>
                         <a:ea typeface="Calibri" panose="020F0502020204030204" pitchFamily="34" charset="0"/>
@@ -11341,10 +11388,10 @@
                         <a:defRPr/>
                       </a:pPr>
                       <a:r>
-                        <a:rPr lang="en-NL" sz="800" dirty="0"/>
+                        <a:rPr lang="en-NL" sz="1100" dirty="0"/>
                         <a:t>wine, health, workflow, gener, therapi, medicin, translat, massag, case, english</a:t>
                       </a:r>
-                      <a:endParaRPr lang="en-NL" sz="1100" dirty="0">
+                      <a:endParaRPr lang="en-NL" sz="1800" dirty="0">
                         <a:latin typeface="Calibri" panose="020F0502020204030204" pitchFamily="34" charset="0"/>
                         <a:ea typeface="Calibri" panose="020F0502020204030204" pitchFamily="34" charset="0"/>
                         <a:cs typeface="Times New Roman" panose="02020603050405020304" pitchFamily="18" charset="0"/>
@@ -11364,12 +11411,12 @@
                         </a:spcAft>
                       </a:pPr>
                       <a:r>
-                        <a:rPr lang="en-NL" sz="800">
+                        <a:rPr lang="en-NL" sz="1100">
                           <a:effectLst/>
                         </a:rPr>
                         <a:t>2728</a:t>
                       </a:r>
-                      <a:endParaRPr lang="en-NL" sz="1100">
+                      <a:endParaRPr lang="en-NL" sz="1800">
                         <a:effectLst/>
                         <a:latin typeface="Calibri" panose="020F0502020204030204" pitchFamily="34" charset="0"/>
                         <a:ea typeface="Calibri" panose="020F0502020204030204" pitchFamily="34" charset="0"/>
@@ -11390,12 +11437,12 @@
                         </a:spcAft>
                       </a:pPr>
                       <a:r>
-                        <a:rPr lang="en-NL" sz="800">
+                        <a:rPr lang="en-NL" sz="1100">
                           <a:effectLst/>
                         </a:rPr>
                         <a:t>0.0943</a:t>
                       </a:r>
-                      <a:endParaRPr lang="en-NL" sz="1100">
+                      <a:endParaRPr lang="en-NL" sz="1800">
                         <a:effectLst/>
                         <a:latin typeface="Calibri" panose="020F0502020204030204" pitchFamily="34" charset="0"/>
                         <a:ea typeface="Calibri" panose="020F0502020204030204" pitchFamily="34" charset="0"/>
@@ -11411,7 +11458,7 @@
                   </a:ext>
                 </a:extLst>
               </a:tr>
-              <a:tr h="0">
+              <a:tr h="151109">
                 <a:tc>
                   <a:txBody>
                     <a:bodyPr/>
@@ -11423,12 +11470,12 @@
                         </a:spcAft>
                       </a:pPr>
                       <a:r>
-                        <a:rPr lang="en-NL" sz="800">
+                        <a:rPr lang="en-NL" sz="1100">
                           <a:effectLst/>
                         </a:rPr>
                         <a:t>11.0</a:t>
                       </a:r>
-                      <a:endParaRPr lang="en-NL" sz="1100">
+                      <a:endParaRPr lang="en-NL" sz="1800">
                         <a:effectLst/>
                         <a:latin typeface="Calibri" panose="020F0502020204030204" pitchFamily="34" charset="0"/>
                         <a:ea typeface="Calibri" panose="020F0502020204030204" pitchFamily="34" charset="0"/>
@@ -11449,12 +11496,12 @@
                         </a:spcAft>
                       </a:pPr>
                       <a:r>
-                        <a:rPr lang="en-NL" sz="800">
+                        <a:rPr lang="en-NL" sz="1100">
                           <a:effectLst/>
                         </a:rPr>
                         <a:t>train, de, sale, music, content, industri, inform, deliveri, fit, employ</a:t>
                       </a:r>
-                      <a:endParaRPr lang="en-NL" sz="1100">
+                      <a:endParaRPr lang="en-NL" sz="1800">
                         <a:effectLst/>
                         <a:latin typeface="Calibri" panose="020F0502020204030204" pitchFamily="34" charset="0"/>
                         <a:ea typeface="Calibri" panose="020F0502020204030204" pitchFamily="34" charset="0"/>
@@ -11475,12 +11522,12 @@
                         </a:spcAft>
                       </a:pPr>
                       <a:r>
-                        <a:rPr lang="en-NL" sz="800">
+                        <a:rPr lang="en-NL" sz="1100">
                           <a:effectLst/>
                         </a:rPr>
                         <a:t>1803</a:t>
                       </a:r>
-                      <a:endParaRPr lang="en-NL" sz="1100">
+                      <a:endParaRPr lang="en-NL" sz="1800">
                         <a:effectLst/>
                         <a:latin typeface="Calibri" panose="020F0502020204030204" pitchFamily="34" charset="0"/>
                         <a:ea typeface="Calibri" panose="020F0502020204030204" pitchFamily="34" charset="0"/>
@@ -11501,12 +11548,12 @@
                         </a:spcAft>
                       </a:pPr>
                       <a:r>
-                        <a:rPr lang="en-NL" sz="800">
+                        <a:rPr lang="en-NL" sz="1100">
                           <a:effectLst/>
                         </a:rPr>
                         <a:t>0.0623</a:t>
                       </a:r>
-                      <a:endParaRPr lang="en-NL" sz="1100">
+                      <a:endParaRPr lang="en-NL" sz="1800">
                         <a:effectLst/>
                         <a:latin typeface="Calibri" panose="020F0502020204030204" pitchFamily="34" charset="0"/>
                         <a:ea typeface="Calibri" panose="020F0502020204030204" pitchFamily="34" charset="0"/>
@@ -11522,7 +11569,7 @@
                   </a:ext>
                 </a:extLst>
               </a:tr>
-              <a:tr h="0">
+              <a:tr h="151109">
                 <a:tc>
                   <a:txBody>
                     <a:bodyPr/>
@@ -11534,12 +11581,12 @@
                         </a:spcAft>
                       </a:pPr>
                       <a:r>
-                        <a:rPr lang="en-NL" sz="800">
+                        <a:rPr lang="en-NL" sz="1100">
                           <a:effectLst/>
                         </a:rPr>
                         <a:t>12.0</a:t>
                       </a:r>
-                      <a:endParaRPr lang="en-NL" sz="1100">
+                      <a:endParaRPr lang="en-NL" sz="1800">
                         <a:effectLst/>
                         <a:latin typeface="Calibri" panose="020F0502020204030204" pitchFamily="34" charset="0"/>
                         <a:ea typeface="Calibri" panose="020F0502020204030204" pitchFamily="34" charset="0"/>
@@ -11560,12 +11607,12 @@
                         </a:spcAft>
                       </a:pPr>
                       <a:r>
-                        <a:rPr lang="en-NL" sz="800">
+                        <a:rPr lang="en-NL" sz="1100">
                           <a:effectLst/>
                         </a:rPr>
                         <a:t>design, women, urban, graphic, wed, pro, tool, wordpress, live, sustain</a:t>
                       </a:r>
-                      <a:endParaRPr lang="en-NL" sz="1100">
+                      <a:endParaRPr lang="en-NL" sz="1800">
                         <a:effectLst/>
                         <a:latin typeface="Calibri" panose="020F0502020204030204" pitchFamily="34" charset="0"/>
                         <a:ea typeface="Calibri" panose="020F0502020204030204" pitchFamily="34" charset="0"/>
@@ -11586,12 +11633,12 @@
                         </a:spcAft>
                       </a:pPr>
                       <a:r>
-                        <a:rPr lang="en-NL" sz="800">
+                        <a:rPr lang="en-NL" sz="1100">
                           <a:effectLst/>
                         </a:rPr>
                         <a:t>1212</a:t>
                       </a:r>
-                      <a:endParaRPr lang="en-NL" sz="1100">
+                      <a:endParaRPr lang="en-NL" sz="1800">
                         <a:effectLst/>
                         <a:latin typeface="Calibri" panose="020F0502020204030204" pitchFamily="34" charset="0"/>
                         <a:ea typeface="Calibri" panose="020F0502020204030204" pitchFamily="34" charset="0"/>
@@ -11612,12 +11659,12 @@
                         </a:spcAft>
                       </a:pPr>
                       <a:r>
-                        <a:rPr lang="en-NL" sz="800">
+                        <a:rPr lang="en-NL" sz="1100">
                           <a:effectLst/>
                         </a:rPr>
                         <a:t>0.0419</a:t>
                       </a:r>
-                      <a:endParaRPr lang="en-NL" sz="1100">
+                      <a:endParaRPr lang="en-NL" sz="1800">
                         <a:effectLst/>
                         <a:latin typeface="Calibri" panose="020F0502020204030204" pitchFamily="34" charset="0"/>
                         <a:ea typeface="Calibri" panose="020F0502020204030204" pitchFamily="34" charset="0"/>
@@ -11633,7 +11680,7 @@
                   </a:ext>
                 </a:extLst>
               </a:tr>
-              <a:tr h="0">
+              <a:tr h="151109">
                 <a:tc>
                   <a:txBody>
                     <a:bodyPr/>
@@ -11645,12 +11692,12 @@
                         </a:spcAft>
                       </a:pPr>
                       <a:r>
-                        <a:rPr lang="en-NL" sz="800">
+                        <a:rPr lang="en-NL" sz="1100">
                           <a:effectLst/>
                         </a:rPr>
                         <a:t>13.0</a:t>
                       </a:r>
-                      <a:endParaRPr lang="en-NL" sz="1100">
+                      <a:endParaRPr lang="en-NL" sz="1800">
                         <a:effectLst/>
                         <a:latin typeface="Calibri" panose="020F0502020204030204" pitchFamily="34" charset="0"/>
                         <a:ea typeface="Calibri" panose="020F0502020204030204" pitchFamily="34" charset="0"/>
@@ -11671,12 +11718,12 @@
                         </a:spcAft>
                       </a:pPr>
                       <a:r>
-                        <a:rPr lang="en-NL" sz="800">
+                        <a:rPr lang="en-NL" sz="1100">
                           <a:effectLst/>
                         </a:rPr>
                         <a:t>window, server, vmware, microsoft, administr, activ, network, softwar, user, sql</a:t>
                       </a:r>
-                      <a:endParaRPr lang="en-NL" sz="1100">
+                      <a:endParaRPr lang="en-NL" sz="1800">
                         <a:effectLst/>
                         <a:latin typeface="Calibri" panose="020F0502020204030204" pitchFamily="34" charset="0"/>
                         <a:ea typeface="Calibri" panose="020F0502020204030204" pitchFamily="34" charset="0"/>
@@ -11697,12 +11744,12 @@
                         </a:spcAft>
                       </a:pPr>
                       <a:r>
-                        <a:rPr lang="en-NL" sz="800">
+                        <a:rPr lang="en-NL" sz="1100">
                           <a:effectLst/>
                         </a:rPr>
                         <a:t>1754</a:t>
                       </a:r>
-                      <a:endParaRPr lang="en-NL" sz="1100">
+                      <a:endParaRPr lang="en-NL" sz="1800">
                         <a:effectLst/>
                         <a:latin typeface="Calibri" panose="020F0502020204030204" pitchFamily="34" charset="0"/>
                         <a:ea typeface="Calibri" panose="020F0502020204030204" pitchFamily="34" charset="0"/>
@@ -11723,12 +11770,12 @@
                         </a:spcAft>
                       </a:pPr>
                       <a:r>
-                        <a:rPr lang="en-NL" sz="800">
+                        <a:rPr lang="en-NL" sz="1100">
                           <a:effectLst/>
                         </a:rPr>
                         <a:t>0.0606</a:t>
                       </a:r>
-                      <a:endParaRPr lang="en-NL" sz="1100">
+                      <a:endParaRPr lang="en-NL" sz="1800">
                         <a:effectLst/>
                         <a:latin typeface="Calibri" panose="020F0502020204030204" pitchFamily="34" charset="0"/>
                         <a:ea typeface="Calibri" panose="020F0502020204030204" pitchFamily="34" charset="0"/>
@@ -11744,7 +11791,7 @@
                   </a:ext>
                 </a:extLst>
               </a:tr>
-              <a:tr h="0">
+              <a:tr h="151109">
                 <a:tc>
                   <a:txBody>
                     <a:bodyPr/>
@@ -11756,12 +11803,12 @@
                         </a:spcAft>
                       </a:pPr>
                       <a:r>
-                        <a:rPr lang="en-NL" sz="800">
+                        <a:rPr lang="en-NL" sz="1100">
                           <a:effectLst/>
                         </a:rPr>
                         <a:t>14.0</a:t>
                       </a:r>
-                      <a:endParaRPr lang="en-NL" sz="1100">
+                      <a:endParaRPr lang="en-NL" sz="1800">
                         <a:effectLst/>
                         <a:latin typeface="Calibri" panose="020F0502020204030204" pitchFamily="34" charset="0"/>
                         <a:ea typeface="Calibri" panose="020F0502020204030204" pitchFamily="34" charset="0"/>
@@ -11782,12 +11829,12 @@
                         </a:spcAft>
                       </a:pPr>
                       <a:r>
-                        <a:rPr lang="en-NL" sz="800">
+                        <a:rPr lang="en-NL" sz="1100">
                           <a:effectLst/>
                         </a:rPr>
                         <a:t>architectur, sap, di, home, suppli, gestion, weld, cut, creativ, trend</a:t>
                       </a:r>
-                      <a:endParaRPr lang="en-NL" sz="1100">
+                      <a:endParaRPr lang="en-NL" sz="1800">
                         <a:effectLst/>
                         <a:latin typeface="Calibri" panose="020F0502020204030204" pitchFamily="34" charset="0"/>
                         <a:ea typeface="Calibri" panose="020F0502020204030204" pitchFamily="34" charset="0"/>
@@ -11808,12 +11855,12 @@
                         </a:spcAft>
                       </a:pPr>
                       <a:r>
-                        <a:rPr lang="en-NL" sz="800">
+                        <a:rPr lang="en-NL" sz="1100">
                           <a:effectLst/>
                         </a:rPr>
                         <a:t>1246</a:t>
                       </a:r>
-                      <a:endParaRPr lang="en-NL" sz="1100">
+                      <a:endParaRPr lang="en-NL" sz="1800">
                         <a:effectLst/>
                         <a:latin typeface="Calibri" panose="020F0502020204030204" pitchFamily="34" charset="0"/>
                         <a:ea typeface="Calibri" panose="020F0502020204030204" pitchFamily="34" charset="0"/>
@@ -11834,12 +11881,12 @@
                         </a:spcAft>
                       </a:pPr>
                       <a:r>
-                        <a:rPr lang="en-NL" sz="800">
+                        <a:rPr lang="en-NL" sz="1100">
                           <a:effectLst/>
                         </a:rPr>
                         <a:t>0.0431</a:t>
                       </a:r>
-                      <a:endParaRPr lang="en-NL" sz="1100">
+                      <a:endParaRPr lang="en-NL" sz="1800">
                         <a:effectLst/>
                         <a:latin typeface="Calibri" panose="020F0502020204030204" pitchFamily="34" charset="0"/>
                         <a:ea typeface="Calibri" panose="020F0502020204030204" pitchFamily="34" charset="0"/>
@@ -11855,7 +11902,7 @@
                   </a:ext>
                 </a:extLst>
               </a:tr>
-              <a:tr h="0">
+              <a:tr h="151109">
                 <a:tc>
                   <a:txBody>
                     <a:bodyPr/>
@@ -11867,12 +11914,12 @@
                         </a:spcAft>
                       </a:pPr>
                       <a:r>
-                        <a:rPr lang="en-NL" sz="800">
+                        <a:rPr lang="en-NL" sz="1100">
                           <a:effectLst/>
                         </a:rPr>
                         <a:t>15.0</a:t>
                       </a:r>
-                      <a:endParaRPr lang="en-NL" sz="1100">
+                      <a:endParaRPr lang="en-NL" sz="1800">
                         <a:effectLst/>
                         <a:latin typeface="Calibri" panose="020F0502020204030204" pitchFamily="34" charset="0"/>
                         <a:ea typeface="Calibri" panose="020F0502020204030204" pitchFamily="34" charset="0"/>
@@ -11893,12 +11940,12 @@
                         </a:spcAft>
                       </a:pPr>
                       <a:r>
-                        <a:rPr lang="en-NL" sz="800">
+                        <a:rPr lang="en-NL" sz="1100">
                           <a:effectLst/>
                         </a:rPr>
                         <a:t>manag, system, servic, process, control, framework, report, project, integr, busi</a:t>
                       </a:r>
-                      <a:endParaRPr lang="en-NL" sz="1100">
+                      <a:endParaRPr lang="en-NL" sz="1800">
                         <a:effectLst/>
                         <a:latin typeface="Calibri" panose="020F0502020204030204" pitchFamily="34" charset="0"/>
                         <a:ea typeface="Calibri" panose="020F0502020204030204" pitchFamily="34" charset="0"/>
@@ -11919,12 +11966,12 @@
                         </a:spcAft>
                       </a:pPr>
                       <a:r>
-                        <a:rPr lang="en-NL" sz="800">
+                        <a:rPr lang="en-NL" sz="1100">
                           <a:effectLst/>
                         </a:rPr>
                         <a:t>1991</a:t>
                       </a:r>
-                      <a:endParaRPr lang="en-NL" sz="1100">
+                      <a:endParaRPr lang="en-NL" sz="1800">
                         <a:effectLst/>
                         <a:latin typeface="Calibri" panose="020F0502020204030204" pitchFamily="34" charset="0"/>
                         <a:ea typeface="Calibri" panose="020F0502020204030204" pitchFamily="34" charset="0"/>
@@ -11945,12 +11992,12 @@
                         </a:spcAft>
                       </a:pPr>
                       <a:r>
-                        <a:rPr lang="en-NL" sz="800">
+                        <a:rPr lang="en-NL" sz="1100">
                           <a:effectLst/>
                         </a:rPr>
                         <a:t>0.0688</a:t>
                       </a:r>
-                      <a:endParaRPr lang="en-NL" sz="1100">
+                      <a:endParaRPr lang="en-NL" sz="1800">
                         <a:effectLst/>
                         <a:latin typeface="Calibri" panose="020F0502020204030204" pitchFamily="34" charset="0"/>
                         <a:ea typeface="Calibri" panose="020F0502020204030204" pitchFamily="34" charset="0"/>
@@ -11966,7 +12013,7 @@
                   </a:ext>
                 </a:extLst>
               </a:tr>
-              <a:tr h="0">
+              <a:tr h="151109">
                 <a:tc>
                   <a:txBody>
                     <a:bodyPr/>
@@ -11978,12 +12025,12 @@
                         </a:spcAft>
                       </a:pPr>
                       <a:r>
-                        <a:rPr lang="en-NL" sz="800">
+                        <a:rPr lang="en-NL" sz="1100">
                           <a:effectLst/>
                         </a:rPr>
                         <a:t>16.0</a:t>
                       </a:r>
-                      <a:endParaRPr lang="en-NL" sz="1100">
+                      <a:endParaRPr lang="en-NL" sz="1800">
                         <a:effectLst/>
                         <a:latin typeface="Calibri" panose="020F0502020204030204" pitchFamily="34" charset="0"/>
                         <a:ea typeface="Calibri" panose="020F0502020204030204" pitchFamily="34" charset="0"/>
@@ -12004,12 +12051,12 @@
                         </a:spcAft>
                       </a:pPr>
                       <a:r>
-                        <a:rPr lang="en-NL" sz="800">
+                        <a:rPr lang="en-NL" sz="1100">
                           <a:effectLst/>
                         </a:rPr>
                         <a:t>test, biolog, molecular, regress, mainten, issu, radio, dynam, broadcast, intellig</a:t>
                       </a:r>
-                      <a:endParaRPr lang="en-NL" sz="1100">
+                      <a:endParaRPr lang="en-NL" sz="1800">
                         <a:effectLst/>
                         <a:latin typeface="Calibri" panose="020F0502020204030204" pitchFamily="34" charset="0"/>
                         <a:ea typeface="Calibri" panose="020F0502020204030204" pitchFamily="34" charset="0"/>
@@ -12030,12 +12077,12 @@
                         </a:spcAft>
                       </a:pPr>
                       <a:r>
-                        <a:rPr lang="en-NL" sz="800">
+                        <a:rPr lang="en-NL" sz="1100">
                           <a:effectLst/>
                         </a:rPr>
                         <a:t>1198</a:t>
                       </a:r>
-                      <a:endParaRPr lang="en-NL" sz="1100">
+                      <a:endParaRPr lang="en-NL" sz="1800">
                         <a:effectLst/>
                         <a:latin typeface="Calibri" panose="020F0502020204030204" pitchFamily="34" charset="0"/>
                         <a:ea typeface="Calibri" panose="020F0502020204030204" pitchFamily="34" charset="0"/>
@@ -12056,12 +12103,12 @@
                         </a:spcAft>
                       </a:pPr>
                       <a:r>
-                        <a:rPr lang="en-NL" sz="800">
+                        <a:rPr lang="en-NL" sz="1100">
                           <a:effectLst/>
                         </a:rPr>
                         <a:t>0.0414</a:t>
                       </a:r>
-                      <a:endParaRPr lang="en-NL" sz="1100">
+                      <a:endParaRPr lang="en-NL" sz="1800">
                         <a:effectLst/>
                         <a:latin typeface="Calibri" panose="020F0502020204030204" pitchFamily="34" charset="0"/>
                         <a:ea typeface="Calibri" panose="020F0502020204030204" pitchFamily="34" charset="0"/>
@@ -12077,7 +12124,7 @@
                   </a:ext>
                 </a:extLst>
               </a:tr>
-              <a:tr h="0">
+              <a:tr h="151109">
                 <a:tc>
                   <a:txBody>
                     <a:bodyPr/>
@@ -12089,12 +12136,12 @@
                         </a:spcAft>
                       </a:pPr>
                       <a:r>
-                        <a:rPr lang="en-NL" sz="800">
+                        <a:rPr lang="en-NL" sz="1100">
                           <a:effectLst/>
                         </a:rPr>
                         <a:t>17.0</a:t>
                       </a:r>
-                      <a:endParaRPr lang="en-NL" sz="1100">
+                      <a:endParaRPr lang="en-NL" sz="1800">
                         <a:effectLst/>
                         <a:latin typeface="Calibri" panose="020F0502020204030204" pitchFamily="34" charset="0"/>
                         <a:ea typeface="Calibri" panose="020F0502020204030204" pitchFamily="34" charset="0"/>
@@ -12115,12 +12162,12 @@
                         </a:spcAft>
                       </a:pPr>
                       <a:r>
-                        <a:rPr lang="en-NL" sz="800">
+                        <a:rPr lang="en-NL" sz="1100">
                           <a:effectLst/>
                         </a:rPr>
                         <a:t>market, strategi, visual, media, studio, digit, art, financi, busi, film</a:t>
                       </a:r>
-                      <a:endParaRPr lang="en-NL" sz="1100">
+                      <a:endParaRPr lang="en-NL" sz="1800">
                         <a:effectLst/>
                         <a:latin typeface="Calibri" panose="020F0502020204030204" pitchFamily="34" charset="0"/>
                         <a:ea typeface="Calibri" panose="020F0502020204030204" pitchFamily="34" charset="0"/>
@@ -12141,12 +12188,12 @@
                         </a:spcAft>
                       </a:pPr>
                       <a:r>
-                        <a:rPr lang="en-NL" sz="800">
+                        <a:rPr lang="en-NL" sz="1100">
                           <a:effectLst/>
                         </a:rPr>
                         <a:t>1096</a:t>
                       </a:r>
-                      <a:endParaRPr lang="en-NL" sz="1100">
+                      <a:endParaRPr lang="en-NL" sz="1800">
                         <a:effectLst/>
                         <a:latin typeface="Calibri" panose="020F0502020204030204" pitchFamily="34" charset="0"/>
                         <a:ea typeface="Calibri" panose="020F0502020204030204" pitchFamily="34" charset="0"/>
@@ -12167,12 +12214,12 @@
                         </a:spcAft>
                       </a:pPr>
                       <a:r>
-                        <a:rPr lang="en-NL" sz="800">
+                        <a:rPr lang="en-NL" sz="1100">
                           <a:effectLst/>
                         </a:rPr>
                         <a:t>0.0379</a:t>
                       </a:r>
-                      <a:endParaRPr lang="en-NL" sz="1100">
+                      <a:endParaRPr lang="en-NL" sz="1800">
                         <a:effectLst/>
                         <a:latin typeface="Calibri" panose="020F0502020204030204" pitchFamily="34" charset="0"/>
                         <a:ea typeface="Calibri" panose="020F0502020204030204" pitchFamily="34" charset="0"/>
@@ -12188,7 +12235,7 @@
                   </a:ext>
                 </a:extLst>
               </a:tr>
-              <a:tr h="0">
+              <a:tr h="151109">
                 <a:tc>
                   <a:txBody>
                     <a:bodyPr/>
@@ -12200,12 +12247,12 @@
                         </a:spcAft>
                       </a:pPr>
                       <a:r>
-                        <a:rPr lang="en-NL" sz="800">
+                        <a:rPr lang="en-NL" sz="1100">
                           <a:effectLst/>
                         </a:rPr>
                         <a:t>18.0</a:t>
                       </a:r>
-                      <a:endParaRPr lang="en-NL" sz="1100">
+                      <a:endParaRPr lang="en-NL" sz="1800">
                         <a:effectLst/>
                         <a:latin typeface="Calibri" panose="020F0502020204030204" pitchFamily="34" charset="0"/>
                         <a:ea typeface="Calibri" panose="020F0502020204030204" pitchFamily="34" charset="0"/>
@@ -12226,12 +12273,12 @@
                         </a:spcAft>
                       </a:pPr>
                       <a:r>
-                        <a:rPr lang="en-NL" sz="800">
+                        <a:rPr lang="en-NL" sz="1100">
                           <a:effectLst/>
                         </a:rPr>
                         <a:t>engin, analysi, technic, model, coach, team, wind, build, xml, wildlif</a:t>
                       </a:r>
-                      <a:endParaRPr lang="en-NL" sz="1100">
+                      <a:endParaRPr lang="en-NL" sz="1800">
                         <a:effectLst/>
                         <a:latin typeface="Calibri" panose="020F0502020204030204" pitchFamily="34" charset="0"/>
                         <a:ea typeface="Calibri" panose="020F0502020204030204" pitchFamily="34" charset="0"/>
@@ -12252,12 +12299,12 @@
                         </a:spcAft>
                       </a:pPr>
                       <a:r>
-                        <a:rPr lang="en-NL" sz="800">
+                        <a:rPr lang="en-NL" sz="1100">
                           <a:effectLst/>
                         </a:rPr>
                         <a:t>1136</a:t>
                       </a:r>
-                      <a:endParaRPr lang="en-NL" sz="1100">
+                      <a:endParaRPr lang="en-NL" sz="1800">
                         <a:effectLst/>
                         <a:latin typeface="Calibri" panose="020F0502020204030204" pitchFamily="34" charset="0"/>
                         <a:ea typeface="Calibri" panose="020F0502020204030204" pitchFamily="34" charset="0"/>
@@ -12278,12 +12325,12 @@
                         </a:spcAft>
                       </a:pPr>
                       <a:r>
-                        <a:rPr lang="en-NL" sz="800">
+                        <a:rPr lang="en-NL" sz="1100">
                           <a:effectLst/>
                         </a:rPr>
                         <a:t>0.0393</a:t>
                       </a:r>
-                      <a:endParaRPr lang="en-NL" sz="1100">
+                      <a:endParaRPr lang="en-NL" sz="1800">
                         <a:effectLst/>
                         <a:latin typeface="Calibri" panose="020F0502020204030204" pitchFamily="34" charset="0"/>
                         <a:ea typeface="Calibri" panose="020F0502020204030204" pitchFamily="34" charset="0"/>
@@ -12299,7 +12346,7 @@
                   </a:ext>
                 </a:extLst>
               </a:tr>
-              <a:tr h="0">
+              <a:tr h="151109">
                 <a:tc>
                   <a:txBody>
                     <a:bodyPr/>
@@ -12311,12 +12358,12 @@
                         </a:spcAft>
                       </a:pPr>
                       <a:r>
-                        <a:rPr lang="en-NL" sz="800">
+                        <a:rPr lang="en-NL" sz="1100">
                           <a:effectLst/>
                         </a:rPr>
                         <a:t>19.0</a:t>
                       </a:r>
-                      <a:endParaRPr lang="en-NL" sz="1100">
+                      <a:endParaRPr lang="en-NL" sz="1800">
                         <a:effectLst/>
                         <a:latin typeface="Calibri" panose="020F0502020204030204" pitchFamily="34" charset="0"/>
                         <a:ea typeface="Calibri" panose="020F0502020204030204" pitchFamily="34" charset="0"/>
@@ -12337,12 +12384,12 @@
                         </a:spcAft>
                       </a:pPr>
                       <a:r>
-                        <a:rPr lang="en-NL" sz="800">
+                        <a:rPr lang="en-NL" sz="1100">
                           <a:effectLst/>
                         </a:rPr>
                         <a:t>web, websit, applic, virtual, analyt, mobil, optim, googl, qualiti, restor</a:t>
                       </a:r>
-                      <a:endParaRPr lang="en-NL" sz="1100">
+                      <a:endParaRPr lang="en-NL" sz="1800">
                         <a:effectLst/>
                         <a:latin typeface="Calibri" panose="020F0502020204030204" pitchFamily="34" charset="0"/>
                         <a:ea typeface="Calibri" panose="020F0502020204030204" pitchFamily="34" charset="0"/>
@@ -12363,12 +12410,12 @@
                         </a:spcAft>
                       </a:pPr>
                       <a:r>
-                        <a:rPr lang="en-NL" sz="800">
+                        <a:rPr lang="en-NL" sz="1100">
                           <a:effectLst/>
                         </a:rPr>
                         <a:t>1022</a:t>
                       </a:r>
-                      <a:endParaRPr lang="en-NL" sz="1100">
+                      <a:endParaRPr lang="en-NL" sz="1800">
                         <a:effectLst/>
                         <a:latin typeface="Calibri" panose="020F0502020204030204" pitchFamily="34" charset="0"/>
                         <a:ea typeface="Calibri" panose="020F0502020204030204" pitchFamily="34" charset="0"/>
@@ -12389,12 +12436,12 @@
                         </a:spcAft>
                       </a:pPr>
                       <a:r>
-                        <a:rPr lang="en-NL" sz="800" dirty="0">
+                        <a:rPr lang="en-NL" sz="1100" dirty="0">
                           <a:effectLst/>
                         </a:rPr>
                         <a:t>0.0353</a:t>
                       </a:r>
-                      <a:endParaRPr lang="en-NL" sz="1100" dirty="0">
+                      <a:endParaRPr lang="en-NL" sz="1800" dirty="0">
                         <a:effectLst/>
                         <a:latin typeface="Calibri" panose="020F0502020204030204" pitchFamily="34" charset="0"/>
                         <a:ea typeface="Calibri" panose="020F0502020204030204" pitchFamily="34" charset="0"/>
@@ -12638,11 +12685,16 @@
           </p:cNvGraphicFramePr>
           <p:nvPr>
             <p:ph idx="1"/>
+            <p:extLst>
+              <p:ext uri="{D42A27DB-BD31-4B8C-83A1-F6EECF244321}">
+                <p14:modId xmlns:p14="http://schemas.microsoft.com/office/powerpoint/2010/main" val="3734412297"/>
+              </p:ext>
+            </p:extLst>
           </p:nvPr>
         </p:nvGraphicFramePr>
         <p:xfrm>
-          <a:off x="1708626" y="1674654"/>
-          <a:ext cx="5725160" cy="2484884"/>
+          <a:off x="367200" y="1104828"/>
+          <a:ext cx="8467200" cy="3416556"/>
         </p:xfrm>
         <a:graphic>
           <a:graphicData uri="http://schemas.openxmlformats.org/drawingml/2006/table">
@@ -12651,35 +12703,35 @@
                 <a:tableStyleId>{5C22544A-7EE6-4342-B048-85BDC9FD1C3A}</a:tableStyleId>
               </a:tblPr>
               <a:tblGrid>
-                <a:gridCol w="509905">
+                <a:gridCol w="754122">
                   <a:extLst>
                     <a:ext uri="{9D8B030D-6E8A-4147-A177-3AD203B41FA5}">
                       <a16:colId xmlns:a16="http://schemas.microsoft.com/office/drawing/2014/main" val="3347578729"/>
                     </a:ext>
                   </a:extLst>
                 </a:gridCol>
-                <a:gridCol w="605790">
+                <a:gridCol w="895931">
                   <a:extLst>
                     <a:ext uri="{9D8B030D-6E8A-4147-A177-3AD203B41FA5}">
                       <a16:colId xmlns:a16="http://schemas.microsoft.com/office/drawing/2014/main" val="480907566"/>
                     </a:ext>
                   </a:extLst>
                 </a:gridCol>
-                <a:gridCol w="730250">
+                <a:gridCol w="1080001">
                   <a:extLst>
                     <a:ext uri="{9D8B030D-6E8A-4147-A177-3AD203B41FA5}">
                       <a16:colId xmlns:a16="http://schemas.microsoft.com/office/drawing/2014/main" val="1005970142"/>
                     </a:ext>
                   </a:extLst>
                 </a:gridCol>
-                <a:gridCol w="1211580">
+                <a:gridCol w="1791860">
                   <a:extLst>
                     <a:ext uri="{9D8B030D-6E8A-4147-A177-3AD203B41FA5}">
                       <a16:colId xmlns:a16="http://schemas.microsoft.com/office/drawing/2014/main" val="786337098"/>
                     </a:ext>
                   </a:extLst>
                 </a:gridCol>
-                <a:gridCol w="2667635">
+                <a:gridCol w="3945286">
                   <a:extLst>
                     <a:ext uri="{9D8B030D-6E8A-4147-A177-3AD203B41FA5}">
                       <a16:colId xmlns:a16="http://schemas.microsoft.com/office/drawing/2014/main" val="1577143112"/>
@@ -12687,7 +12739,7 @@
                   </a:extLst>
                 </a:gridCol>
               </a:tblGrid>
-              <a:tr h="0">
+              <a:tr h="721463">
                 <a:tc>
                   <a:txBody>
                     <a:bodyPr/>
@@ -12702,12 +12754,12 @@
                         </a:spcAft>
                       </a:pPr>
                       <a:r>
-                        <a:rPr lang="en-US" sz="800">
+                        <a:rPr lang="en-US" sz="1100">
                           <a:effectLst/>
                         </a:rPr>
                         <a:t>Row number</a:t>
                       </a:r>
-                      <a:endParaRPr lang="en-NL" sz="1100">
+                      <a:endParaRPr lang="en-NL" sz="1800">
                         <a:effectLst/>
                         <a:latin typeface="Calibri" panose="020F0502020204030204" pitchFamily="34" charset="0"/>
                         <a:ea typeface="Calibri" panose="020F0502020204030204" pitchFamily="34" charset="0"/>
@@ -12731,12 +12783,12 @@
                         </a:spcAft>
                       </a:pPr>
                       <a:r>
-                        <a:rPr lang="en-US" sz="800">
+                        <a:rPr lang="en-US" sz="1100">
                           <a:effectLst/>
                         </a:rPr>
                         <a:t>Most important topic</a:t>
                       </a:r>
-                      <a:endParaRPr lang="en-NL" sz="1100">
+                      <a:endParaRPr lang="en-NL" sz="1800">
                         <a:effectLst/>
                         <a:latin typeface="Calibri" panose="020F0502020204030204" pitchFamily="34" charset="0"/>
                         <a:ea typeface="Calibri" panose="020F0502020204030204" pitchFamily="34" charset="0"/>
@@ -12760,12 +12812,12 @@
                         </a:spcAft>
                       </a:pPr>
                       <a:r>
-                        <a:rPr lang="en-US" sz="800">
+                        <a:rPr lang="en-US" sz="1100">
                           <a:effectLst/>
                         </a:rPr>
                         <a:t>Topic percentage contribution</a:t>
                       </a:r>
-                      <a:endParaRPr lang="en-NL" sz="1100">
+                      <a:endParaRPr lang="en-NL" sz="1800">
                         <a:effectLst/>
                         <a:latin typeface="Calibri" panose="020F0502020204030204" pitchFamily="34" charset="0"/>
                         <a:ea typeface="Calibri" panose="020F0502020204030204" pitchFamily="34" charset="0"/>
@@ -12789,12 +12841,12 @@
                         </a:spcAft>
                       </a:pPr>
                       <a:r>
-                        <a:rPr lang="en-US" sz="800">
+                        <a:rPr lang="en-US" sz="1100">
                           <a:effectLst/>
                         </a:rPr>
                         <a:t>Keywords</a:t>
                       </a:r>
-                      <a:endParaRPr lang="en-NL" sz="1100">
+                      <a:endParaRPr lang="en-NL" sz="1800">
                         <a:effectLst/>
                         <a:latin typeface="Calibri" panose="020F0502020204030204" pitchFamily="34" charset="0"/>
                         <a:ea typeface="Calibri" panose="020F0502020204030204" pitchFamily="34" charset="0"/>
@@ -12818,12 +12870,12 @@
                         </a:spcAft>
                       </a:pPr>
                       <a:r>
-                        <a:rPr lang="en-US" sz="800">
+                        <a:rPr lang="en-US" sz="1100">
                           <a:effectLst/>
                         </a:rPr>
                         <a:t>Original row text</a:t>
                       </a:r>
-                      <a:endParaRPr lang="en-NL" sz="1100">
+                      <a:endParaRPr lang="en-NL" sz="1800">
                         <a:effectLst/>
                         <a:latin typeface="Calibri" panose="020F0502020204030204" pitchFamily="34" charset="0"/>
                         <a:ea typeface="Calibri" panose="020F0502020204030204" pitchFamily="34" charset="0"/>
@@ -12839,7 +12891,7 @@
                   </a:ext>
                 </a:extLst>
               </a:tr>
-              <a:tr h="0">
+              <a:tr h="721463">
                 <a:tc>
                   <a:txBody>
                     <a:bodyPr/>
@@ -12854,12 +12906,12 @@
                         </a:spcAft>
                       </a:pPr>
                       <a:r>
-                        <a:rPr lang="en-US" sz="800">
+                        <a:rPr lang="en-US" sz="1100">
                           <a:effectLst/>
                         </a:rPr>
                         <a:t>18814</a:t>
                       </a:r>
-                      <a:endParaRPr lang="en-NL" sz="1100">
+                      <a:endParaRPr lang="en-NL" sz="1800">
                         <a:effectLst/>
                         <a:latin typeface="Calibri" panose="020F0502020204030204" pitchFamily="34" charset="0"/>
                         <a:ea typeface="Calibri" panose="020F0502020204030204" pitchFamily="34" charset="0"/>
@@ -12883,12 +12935,12 @@
                         </a:spcAft>
                       </a:pPr>
                       <a:r>
-                        <a:rPr lang="en-US" sz="800">
+                        <a:rPr lang="en-US" sz="1100">
                           <a:effectLst/>
                         </a:rPr>
                         <a:t>17</a:t>
                       </a:r>
-                      <a:endParaRPr lang="en-NL" sz="1100">
+                      <a:endParaRPr lang="en-NL" sz="1800">
                         <a:effectLst/>
                         <a:latin typeface="Calibri" panose="020F0502020204030204" pitchFamily="34" charset="0"/>
                         <a:ea typeface="Calibri" panose="020F0502020204030204" pitchFamily="34" charset="0"/>
@@ -12912,12 +12964,12 @@
                         </a:spcAft>
                       </a:pPr>
                       <a:r>
-                        <a:rPr lang="en-US" sz="800">
+                        <a:rPr lang="en-US" sz="1100">
                           <a:effectLst/>
                         </a:rPr>
                         <a:t>0.8048</a:t>
                       </a:r>
-                      <a:endParaRPr lang="en-NL" sz="1100">
+                      <a:endParaRPr lang="en-NL" sz="1800">
                         <a:effectLst/>
                         <a:latin typeface="Calibri" panose="020F0502020204030204" pitchFamily="34" charset="0"/>
                         <a:ea typeface="Calibri" panose="020F0502020204030204" pitchFamily="34" charset="0"/>
@@ -12941,12 +12993,12 @@
                         </a:spcAft>
                       </a:pPr>
                       <a:r>
-                        <a:rPr lang="en-US" sz="800">
+                        <a:rPr lang="en-US" sz="1100">
                           <a:effectLst/>
                         </a:rPr>
                         <a:t>market, strategi, visual, media, studio, digit, art, finance, busi, film</a:t>
                       </a:r>
-                      <a:endParaRPr lang="en-NL" sz="1100">
+                      <a:endParaRPr lang="en-NL" sz="1800">
                         <a:effectLst/>
                         <a:latin typeface="Calibri" panose="020F0502020204030204" pitchFamily="34" charset="0"/>
                         <a:ea typeface="Calibri" panose="020F0502020204030204" pitchFamily="34" charset="0"/>
@@ -12970,12 +13022,12 @@
                         </a:spcAft>
                       </a:pPr>
                       <a:r>
-                        <a:rPr lang="en-US" sz="800">
+                        <a:rPr lang="en-US" sz="1100">
                           <a:effectLst/>
                         </a:rPr>
                         <a:t>painting, acrylic, figurative, mixed media, figurative art, watercolor, abstraction, murals, studio art, fine art, oil painting</a:t>
                       </a:r>
-                      <a:endParaRPr lang="en-NL" sz="1100">
+                      <a:endParaRPr lang="en-NL" sz="1800">
                         <a:effectLst/>
                         <a:latin typeface="Calibri" panose="020F0502020204030204" pitchFamily="34" charset="0"/>
                         <a:ea typeface="Calibri" panose="020F0502020204030204" pitchFamily="34" charset="0"/>
@@ -12991,7 +13043,7 @@
                   </a:ext>
                 </a:extLst>
               </a:tr>
-              <a:tr h="0">
+              <a:tr h="954523">
                 <a:tc>
                   <a:txBody>
                     <a:bodyPr/>
@@ -13006,12 +13058,12 @@
                         </a:spcAft>
                       </a:pPr>
                       <a:r>
-                        <a:rPr lang="en-US" sz="800">
+                        <a:rPr lang="en-US" sz="1100">
                           <a:effectLst/>
                         </a:rPr>
                         <a:t>12286</a:t>
                       </a:r>
-                      <a:endParaRPr lang="en-NL" sz="1100">
+                      <a:endParaRPr lang="en-NL" sz="1800">
                         <a:effectLst/>
                         <a:latin typeface="Calibri" panose="020F0502020204030204" pitchFamily="34" charset="0"/>
                         <a:ea typeface="Calibri" panose="020F0502020204030204" pitchFamily="34" charset="0"/>
@@ -13035,12 +13087,12 @@
                         </a:spcAft>
                       </a:pPr>
                       <a:r>
-                        <a:rPr lang="en-US" sz="800" dirty="0">
+                        <a:rPr lang="en-US" sz="1100" dirty="0">
                           <a:effectLst/>
                         </a:rPr>
                         <a:t>1</a:t>
                       </a:r>
-                      <a:endParaRPr lang="en-NL" sz="1100" dirty="0">
+                      <a:endParaRPr lang="en-NL" sz="1800" dirty="0">
                         <a:effectLst/>
                         <a:latin typeface="Calibri" panose="020F0502020204030204" pitchFamily="34" charset="0"/>
                         <a:ea typeface="Calibri" panose="020F0502020204030204" pitchFamily="34" charset="0"/>
@@ -13064,12 +13116,12 @@
                         </a:spcAft>
                       </a:pPr>
                       <a:r>
-                        <a:rPr lang="en-US" sz="800">
+                        <a:rPr lang="en-US" sz="1100">
                           <a:effectLst/>
                         </a:rPr>
                         <a:t>0.5495</a:t>
                       </a:r>
-                      <a:endParaRPr lang="en-NL" sz="1100">
+                      <a:endParaRPr lang="en-NL" sz="1800">
                         <a:effectLst/>
                         <a:latin typeface="Calibri" panose="020F0502020204030204" pitchFamily="34" charset="0"/>
                         <a:ea typeface="Calibri" panose="020F0502020204030204" pitchFamily="34" charset="0"/>
@@ -13093,12 +13145,12 @@
                         </a:spcAft>
                       </a:pPr>
                       <a:r>
-                        <a:rPr lang="en-US" sz="800">
+                        <a:rPr lang="en-US" sz="1100">
                           <a:effectLst/>
                         </a:rPr>
                         <a:t>wine, health, workflow, gener, therapi, medicin, translat, massag, case, english</a:t>
                       </a:r>
-                      <a:endParaRPr lang="en-NL" sz="1100">
+                      <a:endParaRPr lang="en-NL" sz="1800">
                         <a:effectLst/>
                         <a:latin typeface="Calibri" panose="020F0502020204030204" pitchFamily="34" charset="0"/>
                         <a:ea typeface="Calibri" panose="020F0502020204030204" pitchFamily="34" charset="0"/>
@@ -13122,12 +13174,12 @@
                         </a:spcAft>
                       </a:pPr>
                       <a:r>
-                        <a:rPr lang="en-US" sz="800">
+                        <a:rPr lang="en-US" sz="1100">
                           <a:effectLst/>
                         </a:rPr>
                         <a:t>hormone balancing, digestive disorders, hormones, bioidentical hormone replacement, menopause, naturepathy, detoxification, functional medicine, homeopathy, chronic fatigue, chronic illness</a:t>
                       </a:r>
-                      <a:endParaRPr lang="en-NL" sz="1100">
+                      <a:endParaRPr lang="en-NL" sz="1800">
                         <a:effectLst/>
                         <a:latin typeface="Calibri" panose="020F0502020204030204" pitchFamily="34" charset="0"/>
                         <a:ea typeface="Calibri" panose="020F0502020204030204" pitchFamily="34" charset="0"/>
@@ -13143,7 +13195,7 @@
                   </a:ext>
                 </a:extLst>
               </a:tr>
-              <a:tr h="0">
+              <a:tr h="954523">
                 <a:tc>
                   <a:txBody>
                     <a:bodyPr/>
@@ -13158,12 +13210,12 @@
                         </a:spcAft>
                       </a:pPr>
                       <a:r>
-                        <a:rPr lang="en-US" sz="800">
+                        <a:rPr lang="en-US" sz="1100">
                           <a:effectLst/>
                         </a:rPr>
                         <a:t>23048</a:t>
                       </a:r>
-                      <a:endParaRPr lang="en-NL" sz="1100">
+                      <a:endParaRPr lang="en-NL" sz="1800">
                         <a:effectLst/>
                         <a:latin typeface="Calibri" panose="020F0502020204030204" pitchFamily="34" charset="0"/>
                         <a:ea typeface="Calibri" panose="020F0502020204030204" pitchFamily="34" charset="0"/>
@@ -13187,12 +13239,12 @@
                         </a:spcAft>
                       </a:pPr>
                       <a:r>
-                        <a:rPr lang="en-US" sz="800" dirty="0">
+                        <a:rPr lang="en-US" sz="1100" dirty="0">
                           <a:effectLst/>
                         </a:rPr>
                         <a:t>14</a:t>
                       </a:r>
-                      <a:endParaRPr lang="en-NL" sz="1100" dirty="0">
+                      <a:endParaRPr lang="en-NL" sz="1800" dirty="0">
                         <a:effectLst/>
                         <a:latin typeface="Calibri" panose="020F0502020204030204" pitchFamily="34" charset="0"/>
                         <a:ea typeface="Calibri" panose="020F0502020204030204" pitchFamily="34" charset="0"/>
@@ -13216,12 +13268,12 @@
                         </a:spcAft>
                       </a:pPr>
                       <a:r>
-                        <a:rPr lang="en-US" sz="800">
+                        <a:rPr lang="en-US" sz="1100">
                           <a:effectLst/>
                         </a:rPr>
                         <a:t>0.5025</a:t>
                       </a:r>
-                      <a:endParaRPr lang="en-NL" sz="1100">
+                      <a:endParaRPr lang="en-NL" sz="1800">
                         <a:effectLst/>
                         <a:latin typeface="Calibri" panose="020F0502020204030204" pitchFamily="34" charset="0"/>
                         <a:ea typeface="Calibri" panose="020F0502020204030204" pitchFamily="34" charset="0"/>
@@ -13245,12 +13297,12 @@
                         </a:spcAft>
                       </a:pPr>
                       <a:r>
-                        <a:rPr lang="en-US" sz="800">
+                        <a:rPr lang="en-US" sz="1100">
                           <a:effectLst/>
                         </a:rPr>
                         <a:t>architectur, sap, di, home, suppli, gestion, weld, cut, creative, trend </a:t>
                       </a:r>
-                      <a:endParaRPr lang="en-NL" sz="1100">
+                      <a:endParaRPr lang="en-NL" sz="1800">
                         <a:effectLst/>
                         <a:latin typeface="Calibri" panose="020F0502020204030204" pitchFamily="34" charset="0"/>
                         <a:ea typeface="Calibri" panose="020F0502020204030204" pitchFamily="34" charset="0"/>
@@ -13274,24 +13326,24 @@
                         </a:spcAft>
                       </a:pPr>
                       <a:r>
-                        <a:rPr lang="en-US" sz="800" dirty="0">
+                        <a:rPr lang="en-US" sz="1100" dirty="0">
                           <a:effectLst/>
                         </a:rPr>
                         <a:t>sap projects, sap project management, sap </a:t>
                       </a:r>
                       <a:r>
-                        <a:rPr lang="en-US" sz="800" dirty="0" err="1">
+                        <a:rPr lang="en-US" sz="1100" dirty="0" err="1">
                           <a:effectLst/>
                         </a:rPr>
                         <a:t>erp</a:t>
                       </a:r>
                       <a:r>
-                        <a:rPr lang="en-US" sz="800" dirty="0">
+                        <a:rPr lang="en-US" sz="1100" dirty="0">
                           <a:effectLst/>
                         </a:rPr>
                         <a:t>, sap implementation, sap, sap solution architecture, sap functional consultant, sap rand3, sap production planning, sap application development, sap mm</a:t>
                       </a:r>
-                      <a:endParaRPr lang="en-NL" sz="1100" dirty="0">
+                      <a:endParaRPr lang="en-NL" sz="1800" dirty="0">
                         <a:effectLst/>
                         <a:latin typeface="Calibri" panose="020F0502020204030204" pitchFamily="34" charset="0"/>
                         <a:ea typeface="Calibri" panose="020F0502020204030204" pitchFamily="34" charset="0"/>
@@ -13537,14 +13589,14 @@
             <p:ph idx="1"/>
             <p:extLst>
               <p:ext uri="{D42A27DB-BD31-4B8C-83A1-F6EECF244321}">
-                <p14:modId xmlns:p14="http://schemas.microsoft.com/office/powerpoint/2010/main" val="1994980433"/>
+                <p14:modId xmlns:p14="http://schemas.microsoft.com/office/powerpoint/2010/main" val="2973660875"/>
               </p:ext>
             </p:extLst>
           </p:nvPr>
         </p:nvGraphicFramePr>
         <p:xfrm>
-          <a:off x="1602264" y="1635284"/>
-          <a:ext cx="5937885" cy="2194560"/>
+          <a:off x="399600" y="1104828"/>
+          <a:ext cx="8344800" cy="3168000"/>
         </p:xfrm>
         <a:graphic>
           <a:graphicData uri="http://schemas.openxmlformats.org/drawingml/2006/table">
@@ -13553,35 +13605,35 @@
                 <a:tableStyleId>{5C22544A-7EE6-4342-B048-85BDC9FD1C3A}</a:tableStyleId>
               </a:tblPr>
               <a:tblGrid>
-                <a:gridCol w="674370">
+                <a:gridCol w="947725">
                   <a:extLst>
                     <a:ext uri="{9D8B030D-6E8A-4147-A177-3AD203B41FA5}">
                       <a16:colId xmlns:a16="http://schemas.microsoft.com/office/drawing/2014/main" val="4118280198"/>
                     </a:ext>
                   </a:extLst>
                 </a:gridCol>
-                <a:gridCol w="685165">
+                <a:gridCol w="962895">
                   <a:extLst>
                     <a:ext uri="{9D8B030D-6E8A-4147-A177-3AD203B41FA5}">
                       <a16:colId xmlns:a16="http://schemas.microsoft.com/office/drawing/2014/main" val="1702230407"/>
                     </a:ext>
                   </a:extLst>
                 </a:gridCol>
-                <a:gridCol w="708025">
+                <a:gridCol w="995023">
                   <a:extLst>
                     <a:ext uri="{9D8B030D-6E8A-4147-A177-3AD203B41FA5}">
                       <a16:colId xmlns:a16="http://schemas.microsoft.com/office/drawing/2014/main" val="450127156"/>
                     </a:ext>
                   </a:extLst>
                 </a:gridCol>
-                <a:gridCol w="1351280">
+                <a:gridCol w="1899020">
                   <a:extLst>
                     <a:ext uri="{9D8B030D-6E8A-4147-A177-3AD203B41FA5}">
                       <a16:colId xmlns:a16="http://schemas.microsoft.com/office/drawing/2014/main" val="2501826581"/>
                     </a:ext>
                   </a:extLst>
                 </a:gridCol>
-                <a:gridCol w="2519045">
+                <a:gridCol w="3540137">
                   <a:extLst>
                     <a:ext uri="{9D8B030D-6E8A-4147-A177-3AD203B41FA5}">
                       <a16:colId xmlns:a16="http://schemas.microsoft.com/office/drawing/2014/main" val="3079059535"/>
@@ -13589,7 +13641,7 @@
                   </a:extLst>
                 </a:gridCol>
               </a:tblGrid>
-              <a:tr h="0">
+              <a:tr h="352000">
                 <a:tc>
                   <a:txBody>
                     <a:bodyPr/>
@@ -13601,12 +13653,12 @@
                         </a:spcAft>
                       </a:pPr>
                       <a:r>
-                        <a:rPr lang="en-US" sz="800">
+                        <a:rPr lang="en-US" sz="1050">
                           <a:effectLst/>
                         </a:rPr>
                         <a:t>Topic number</a:t>
                       </a:r>
-                      <a:endParaRPr lang="en-NL" sz="1100">
+                      <a:endParaRPr lang="en-NL" sz="1600">
                         <a:effectLst/>
                         <a:latin typeface="Calibri" panose="020F0502020204030204" pitchFamily="34" charset="0"/>
                         <a:ea typeface="Calibri" panose="020F0502020204030204" pitchFamily="34" charset="0"/>
@@ -13627,12 +13679,12 @@
                         </a:spcAft>
                       </a:pPr>
                       <a:r>
-                        <a:rPr lang="en-US" sz="800">
+                        <a:rPr lang="en-US" sz="1050">
                           <a:effectLst/>
                         </a:rPr>
                         <a:t>Topic importance</a:t>
                       </a:r>
-                      <a:endParaRPr lang="en-NL" sz="1100">
+                      <a:endParaRPr lang="en-NL" sz="1600">
                         <a:effectLst/>
                         <a:latin typeface="Calibri" panose="020F0502020204030204" pitchFamily="34" charset="0"/>
                         <a:ea typeface="Calibri" panose="020F0502020204030204" pitchFamily="34" charset="0"/>
@@ -13653,12 +13705,12 @@
                         </a:spcAft>
                       </a:pPr>
                       <a:r>
-                        <a:rPr lang="en-US" sz="800">
+                        <a:rPr lang="en-US" sz="1050">
                           <a:effectLst/>
                         </a:rPr>
                         <a:t>Topic contribution</a:t>
                       </a:r>
-                      <a:endParaRPr lang="en-NL" sz="1100">
+                      <a:endParaRPr lang="en-NL" sz="1600">
                         <a:effectLst/>
                         <a:latin typeface="Calibri" panose="020F0502020204030204" pitchFamily="34" charset="0"/>
                         <a:ea typeface="Calibri" panose="020F0502020204030204" pitchFamily="34" charset="0"/>
@@ -13679,12 +13731,12 @@
                         </a:spcAft>
                       </a:pPr>
                       <a:r>
-                        <a:rPr lang="en-NL" sz="800">
+                        <a:rPr lang="en-NL" sz="1050">
                           <a:effectLst/>
                         </a:rPr>
                         <a:t>Keywords</a:t>
                       </a:r>
-                      <a:endParaRPr lang="en-NL" sz="1100">
+                      <a:endParaRPr lang="en-NL" sz="1600">
                         <a:effectLst/>
                         <a:latin typeface="Calibri" panose="020F0502020204030204" pitchFamily="34" charset="0"/>
                         <a:ea typeface="Calibri" panose="020F0502020204030204" pitchFamily="34" charset="0"/>
@@ -13705,12 +13757,12 @@
                         </a:spcAft>
                       </a:pPr>
                       <a:r>
-                        <a:rPr lang="en-US" sz="800">
+                        <a:rPr lang="en-US" sz="1050">
                           <a:effectLst/>
                         </a:rPr>
                         <a:t>Original row text</a:t>
                       </a:r>
-                      <a:endParaRPr lang="en-NL" sz="1100">
+                      <a:endParaRPr lang="en-NL" sz="1600">
                         <a:effectLst/>
                         <a:latin typeface="Calibri" panose="020F0502020204030204" pitchFamily="34" charset="0"/>
                         <a:ea typeface="Calibri" panose="020F0502020204030204" pitchFamily="34" charset="0"/>
@@ -13726,7 +13778,7 @@
                   </a:ext>
                 </a:extLst>
               </a:tr>
-              <a:tr h="0">
+              <a:tr h="528000">
                 <a:tc>
                   <a:txBody>
                     <a:bodyPr/>
@@ -13738,18 +13790,18 @@
                         </a:spcAft>
                       </a:pPr>
                       <a:r>
-                        <a:rPr lang="en-NL" sz="800" dirty="0">
+                        <a:rPr lang="en-NL" sz="1050" dirty="0">
                           <a:effectLst/>
                         </a:rPr>
                         <a:t>1</a:t>
                       </a:r>
                       <a:r>
-                        <a:rPr lang="es-ES" sz="800" dirty="0">
+                        <a:rPr lang="es-ES" sz="1050" dirty="0">
                           <a:effectLst/>
                         </a:rPr>
                         <a:t>.0</a:t>
                       </a:r>
-                      <a:endParaRPr lang="en-NL" sz="1100" dirty="0">
+                      <a:endParaRPr lang="en-NL" sz="1600" dirty="0">
                         <a:effectLst/>
                         <a:latin typeface="Calibri" panose="020F0502020204030204" pitchFamily="34" charset="0"/>
                         <a:ea typeface="+mn-ea"/>
@@ -13770,12 +13822,12 @@
                         </a:spcAft>
                       </a:pPr>
                       <a:r>
-                        <a:rPr lang="en-US" sz="800">
+                        <a:rPr lang="en-US" sz="1050">
                           <a:effectLst/>
                         </a:rPr>
                         <a:t>1</a:t>
                       </a:r>
-                      <a:endParaRPr lang="en-NL" sz="1100">
+                      <a:endParaRPr lang="en-NL" sz="1600">
                         <a:effectLst/>
                         <a:latin typeface="Calibri" panose="020F0502020204030204" pitchFamily="34" charset="0"/>
                         <a:ea typeface="Calibri" panose="020F0502020204030204" pitchFamily="34" charset="0"/>
@@ -13796,12 +13848,12 @@
                         </a:spcAft>
                       </a:pPr>
                       <a:r>
-                        <a:rPr lang="en-NL" sz="800">
+                        <a:rPr lang="en-NL" sz="1050">
                           <a:effectLst/>
                         </a:rPr>
                         <a:t>0.7985</a:t>
                       </a:r>
-                      <a:endParaRPr lang="en-NL" sz="1100">
+                      <a:endParaRPr lang="en-NL" sz="1600">
                         <a:effectLst/>
                         <a:latin typeface="Calibri" panose="020F0502020204030204" pitchFamily="34" charset="0"/>
                         <a:ea typeface="Calibri" panose="020F0502020204030204" pitchFamily="34" charset="0"/>
@@ -13822,12 +13874,12 @@
                         </a:spcAft>
                       </a:pPr>
                       <a:r>
-                        <a:rPr lang="en-NL" sz="800">
+                        <a:rPr lang="en-NL" sz="1050">
                           <a:effectLst/>
                         </a:rPr>
                         <a:t>c, wireless, java, technolog, consult, intern, anim, insur, environment, treatment</a:t>
                       </a:r>
-                      <a:endParaRPr lang="en-NL" sz="1100">
+                      <a:endParaRPr lang="en-NL" sz="1600">
                         <a:effectLst/>
                         <a:latin typeface="Calibri" panose="020F0502020204030204" pitchFamily="34" charset="0"/>
                         <a:ea typeface="Calibri" panose="020F0502020204030204" pitchFamily="34" charset="0"/>
@@ -13848,12 +13900,12 @@
                         </a:spcAft>
                       </a:pPr>
                       <a:r>
-                        <a:rPr lang="en-NL" sz="800">
+                        <a:rPr lang="en-NL" sz="1050">
                           <a:effectLst/>
                         </a:rPr>
                         <a:t>[homeown, renter, umbrella, insur, properti, casualti, insur, commerci, insur, insur, flood, ins...</a:t>
                       </a:r>
-                      <a:endParaRPr lang="en-NL" sz="1100">
+                      <a:endParaRPr lang="en-NL" sz="1600">
                         <a:effectLst/>
                         <a:latin typeface="Calibri" panose="020F0502020204030204" pitchFamily="34" charset="0"/>
                         <a:ea typeface="Calibri" panose="020F0502020204030204" pitchFamily="34" charset="0"/>
@@ -13869,7 +13921,7 @@
                   </a:ext>
                 </a:extLst>
               </a:tr>
-              <a:tr h="0">
+              <a:tr h="528000">
                 <a:tc>
                   <a:txBody>
                     <a:bodyPr/>
@@ -13881,12 +13933,12 @@
                         </a:spcAft>
                       </a:pPr>
                       <a:r>
-                        <a:rPr lang="en-NL" sz="800">
+                        <a:rPr lang="en-NL" sz="1050">
                           <a:effectLst/>
                         </a:rPr>
                         <a:t>15.0</a:t>
                       </a:r>
-                      <a:endParaRPr lang="en-NL" sz="1100">
+                      <a:endParaRPr lang="en-NL" sz="1600">
                         <a:effectLst/>
                         <a:latin typeface="Calibri" panose="020F0502020204030204" pitchFamily="34" charset="0"/>
                         <a:ea typeface="Calibri" panose="020F0502020204030204" pitchFamily="34" charset="0"/>
@@ -13907,12 +13959,12 @@
                         </a:spcAft>
                       </a:pPr>
                       <a:r>
-                        <a:rPr lang="en-US" sz="800">
+                        <a:rPr lang="en-US" sz="1050">
                           <a:effectLst/>
                         </a:rPr>
                         <a:t>2</a:t>
                       </a:r>
-                      <a:endParaRPr lang="en-NL" sz="1100">
+                      <a:endParaRPr lang="en-NL" sz="1600">
                         <a:effectLst/>
                         <a:latin typeface="Calibri" panose="020F0502020204030204" pitchFamily="34" charset="0"/>
                         <a:ea typeface="Calibri" panose="020F0502020204030204" pitchFamily="34" charset="0"/>
@@ -13933,12 +13985,12 @@
                         </a:spcAft>
                       </a:pPr>
                       <a:r>
-                        <a:rPr lang="en-NL" sz="800">
+                        <a:rPr lang="en-NL" sz="1050">
                           <a:effectLst/>
                         </a:rPr>
                         <a:t>0.7839</a:t>
                       </a:r>
-                      <a:endParaRPr lang="en-NL" sz="1100">
+                      <a:endParaRPr lang="en-NL" sz="1600">
                         <a:effectLst/>
                         <a:latin typeface="Calibri" panose="020F0502020204030204" pitchFamily="34" charset="0"/>
                         <a:ea typeface="Calibri" panose="020F0502020204030204" pitchFamily="34" charset="0"/>
@@ -13959,12 +14011,12 @@
                         </a:spcAft>
                       </a:pPr>
                       <a:r>
-                        <a:rPr lang="en-NL" sz="800">
+                        <a:rPr lang="en-NL" sz="1050">
                           <a:effectLst/>
                         </a:rPr>
                         <a:t>manag, system, servic, process, control, framework, report, project, integr, busi</a:t>
                       </a:r>
-                      <a:endParaRPr lang="en-NL" sz="1100">
+                      <a:endParaRPr lang="en-NL" sz="1600">
                         <a:effectLst/>
                         <a:latin typeface="Calibri" panose="020F0502020204030204" pitchFamily="34" charset="0"/>
                         <a:ea typeface="Calibri" panose="020F0502020204030204" pitchFamily="34" charset="0"/>
@@ -13985,12 +14037,12 @@
                         </a:spcAft>
                       </a:pPr>
                       <a:r>
-                        <a:rPr lang="en-NL" sz="800">
+                        <a:rPr lang="en-NL" sz="1050">
                           <a:effectLst/>
                         </a:rPr>
                         <a:t>[kung, fu, tai, chi, wing, chun, tai, chi, chuan, martial, art, jiujitsu, qigong, kickbox, karat...</a:t>
                       </a:r>
-                      <a:endParaRPr lang="en-NL" sz="1100">
+                      <a:endParaRPr lang="en-NL" sz="1600">
                         <a:effectLst/>
                         <a:latin typeface="Calibri" panose="020F0502020204030204" pitchFamily="34" charset="0"/>
                         <a:ea typeface="Calibri" panose="020F0502020204030204" pitchFamily="34" charset="0"/>
@@ -14006,7 +14058,7 @@
                   </a:ext>
                 </a:extLst>
               </a:tr>
-              <a:tr h="0">
+              <a:tr h="528000">
                 <a:tc>
                   <a:txBody>
                     <a:bodyPr/>
@@ -14018,12 +14070,12 @@
                         </a:spcAft>
                       </a:pPr>
                       <a:r>
-                        <a:rPr lang="en-NL" sz="800">
+                        <a:rPr lang="en-NL" sz="1050">
                           <a:effectLst/>
                         </a:rPr>
                         <a:t>13.0</a:t>
                       </a:r>
-                      <a:endParaRPr lang="en-NL" sz="1100">
+                      <a:endParaRPr lang="en-NL" sz="1600">
                         <a:effectLst/>
                         <a:latin typeface="Calibri" panose="020F0502020204030204" pitchFamily="34" charset="0"/>
                         <a:ea typeface="Calibri" panose="020F0502020204030204" pitchFamily="34" charset="0"/>
@@ -14044,12 +14096,12 @@
                         </a:spcAft>
                       </a:pPr>
                       <a:r>
-                        <a:rPr lang="en-US" sz="800">
+                        <a:rPr lang="en-US" sz="1050">
                           <a:effectLst/>
                         </a:rPr>
                         <a:t>3</a:t>
                       </a:r>
-                      <a:endParaRPr lang="en-NL" sz="1100">
+                      <a:endParaRPr lang="en-NL" sz="1600">
                         <a:effectLst/>
                         <a:latin typeface="Calibri" panose="020F0502020204030204" pitchFamily="34" charset="0"/>
                         <a:ea typeface="Calibri" panose="020F0502020204030204" pitchFamily="34" charset="0"/>
@@ -14070,12 +14122,12 @@
                         </a:spcAft>
                       </a:pPr>
                       <a:r>
-                        <a:rPr lang="en-NL" sz="800">
+                        <a:rPr lang="en-NL" sz="1050">
                           <a:effectLst/>
                         </a:rPr>
                         <a:t>0.8584</a:t>
                       </a:r>
-                      <a:endParaRPr lang="en-NL" sz="1100">
+                      <a:endParaRPr lang="en-NL" sz="1600">
                         <a:effectLst/>
                         <a:latin typeface="Calibri" panose="020F0502020204030204" pitchFamily="34" charset="0"/>
                         <a:ea typeface="Calibri" panose="020F0502020204030204" pitchFamily="34" charset="0"/>
@@ -14096,12 +14148,12 @@
                         </a:spcAft>
                       </a:pPr>
                       <a:r>
-                        <a:rPr lang="en-NL" sz="800">
+                        <a:rPr lang="en-NL" sz="1050">
                           <a:effectLst/>
                         </a:rPr>
                         <a:t>window, server, vmware, microsoft, administr, activ, network, softwar, user, sql</a:t>
                       </a:r>
-                      <a:endParaRPr lang="en-NL" sz="1100">
+                      <a:endParaRPr lang="en-NL" sz="1600">
                         <a:effectLst/>
                         <a:latin typeface="Calibri" panose="020F0502020204030204" pitchFamily="34" charset="0"/>
                         <a:ea typeface="Calibri" panose="020F0502020204030204" pitchFamily="34" charset="0"/>
@@ -14122,12 +14174,12 @@
                         </a:spcAft>
                       </a:pPr>
                       <a:r>
-                        <a:rPr lang="en-NL" sz="800">
+                        <a:rPr lang="en-NL" sz="1050">
                           <a:effectLst/>
                         </a:rPr>
                         <a:t>[certifi, profession, network, certifi, comptia, network, certifi, n, certifi, microsoft, certif...</a:t>
                       </a:r>
-                      <a:endParaRPr lang="en-NL" sz="1100">
+                      <a:endParaRPr lang="en-NL" sz="1600">
                         <a:effectLst/>
                         <a:latin typeface="Calibri" panose="020F0502020204030204" pitchFamily="34" charset="0"/>
                         <a:ea typeface="Calibri" panose="020F0502020204030204" pitchFamily="34" charset="0"/>
@@ -14143,7 +14195,7 @@
                   </a:ext>
                 </a:extLst>
               </a:tr>
-              <a:tr h="0">
+              <a:tr h="704000">
                 <a:tc>
                   <a:txBody>
                     <a:bodyPr/>
@@ -14155,12 +14207,12 @@
                         </a:spcAft>
                       </a:pPr>
                       <a:r>
-                        <a:rPr lang="en-NL" sz="800">
+                        <a:rPr lang="en-NL" sz="1050">
                           <a:effectLst/>
                         </a:rPr>
                         <a:t>8.0</a:t>
                       </a:r>
-                      <a:endParaRPr lang="en-NL" sz="1100">
+                      <a:endParaRPr lang="en-NL" sz="1600">
                         <a:effectLst/>
                         <a:latin typeface="Calibri" panose="020F0502020204030204" pitchFamily="34" charset="0"/>
                         <a:ea typeface="Calibri" panose="020F0502020204030204" pitchFamily="34" charset="0"/>
@@ -14181,12 +14233,12 @@
                         </a:spcAft>
                       </a:pPr>
                       <a:r>
-                        <a:rPr lang="en-US" sz="800">
+                        <a:rPr lang="en-US" sz="1050">
                           <a:effectLst/>
                         </a:rPr>
                         <a:t>4</a:t>
                       </a:r>
-                      <a:endParaRPr lang="en-NL" sz="1100">
+                      <a:endParaRPr lang="en-NL" sz="1600">
                         <a:effectLst/>
                         <a:latin typeface="Calibri" panose="020F0502020204030204" pitchFamily="34" charset="0"/>
                         <a:ea typeface="Calibri" panose="020F0502020204030204" pitchFamily="34" charset="0"/>
@@ -14207,12 +14259,12 @@
                         </a:spcAft>
                       </a:pPr>
                       <a:r>
-                        <a:rPr lang="en-NL" sz="800">
+                        <a:rPr lang="en-NL" sz="1050">
                           <a:effectLst/>
                         </a:rPr>
                         <a:t>0.7465</a:t>
                       </a:r>
-                      <a:endParaRPr lang="en-NL" sz="1100">
+                      <a:endParaRPr lang="en-NL" sz="1600">
                         <a:effectLst/>
                         <a:latin typeface="Calibri" panose="020F0502020204030204" pitchFamily="34" charset="0"/>
                         <a:ea typeface="Calibri" panose="020F0502020204030204" pitchFamily="34" charset="0"/>
@@ -14233,12 +14285,12 @@
                         </a:spcAft>
                       </a:pPr>
                       <a:r>
-                        <a:rPr lang="en-NL" sz="800">
+                        <a:rPr lang="en-NL" sz="1050">
                           <a:effectLst/>
                         </a:rPr>
                         <a:t>develop, commun, social, workshop, manag, relat, public, person, volunt, present</a:t>
                       </a:r>
-                      <a:endParaRPr lang="en-NL" sz="1100">
+                      <a:endParaRPr lang="en-NL" sz="1600">
                         <a:effectLst/>
                         <a:latin typeface="Calibri" panose="020F0502020204030204" pitchFamily="34" charset="0"/>
                         <a:ea typeface="Calibri" panose="020F0502020204030204" pitchFamily="34" charset="0"/>
@@ -14259,12 +14311,12 @@
                         </a:spcAft>
                       </a:pPr>
                       <a:r>
-                        <a:rPr lang="en-NL" sz="800">
+                        <a:rPr lang="en-NL" sz="1050">
                           <a:effectLst/>
                         </a:rPr>
                         <a:t>[cultur, diplomaci, public, diplomaci, intern, relat, diplomaci, cultur, polici, foreign, polici...</a:t>
                       </a:r>
-                      <a:endParaRPr lang="en-NL" sz="1100">
+                      <a:endParaRPr lang="en-NL" sz="1600">
                         <a:effectLst/>
                         <a:latin typeface="Calibri" panose="020F0502020204030204" pitchFamily="34" charset="0"/>
                         <a:ea typeface="Calibri" panose="020F0502020204030204" pitchFamily="34" charset="0"/>
@@ -14280,7 +14332,7 @@
                   </a:ext>
                 </a:extLst>
               </a:tr>
-              <a:tr h="0">
+              <a:tr h="528000">
                 <a:tc>
                   <a:txBody>
                     <a:bodyPr/>
@@ -14292,12 +14344,12 @@
                         </a:spcAft>
                       </a:pPr>
                       <a:r>
-                        <a:rPr lang="en-NL" sz="800">
+                        <a:rPr lang="en-NL" sz="1050">
                           <a:effectLst/>
                         </a:rPr>
                         <a:t>7.0</a:t>
                       </a:r>
-                      <a:endParaRPr lang="en-NL" sz="1100">
+                      <a:endParaRPr lang="en-NL" sz="1600">
                         <a:effectLst/>
                         <a:latin typeface="Calibri" panose="020F0502020204030204" pitchFamily="34" charset="0"/>
                         <a:ea typeface="Calibri" panose="020F0502020204030204" pitchFamily="34" charset="0"/>
@@ -14318,12 +14370,12 @@
                         </a:spcAft>
                       </a:pPr>
                       <a:r>
-                        <a:rPr lang="en-US" sz="800">
+                        <a:rPr lang="en-US" sz="1050">
                           <a:effectLst/>
                         </a:rPr>
                         <a:t>5</a:t>
                       </a:r>
-                      <a:endParaRPr lang="en-NL" sz="1100">
+                      <a:endParaRPr lang="en-NL" sz="1600">
                         <a:effectLst/>
                         <a:latin typeface="Calibri" panose="020F0502020204030204" pitchFamily="34" charset="0"/>
                         <a:ea typeface="Calibri" panose="020F0502020204030204" pitchFamily="34" charset="0"/>
@@ -14344,12 +14396,12 @@
                         </a:spcAft>
                       </a:pPr>
                       <a:r>
-                        <a:rPr lang="en-NL" sz="800">
+                        <a:rPr lang="en-NL" sz="1050">
                           <a:effectLst/>
                         </a:rPr>
                         <a:t>0.7989</a:t>
                       </a:r>
-                      <a:endParaRPr lang="en-NL" sz="1100">
+                      <a:endParaRPr lang="en-NL" sz="1600">
                         <a:effectLst/>
                         <a:latin typeface="Calibri" panose="020F0502020204030204" pitchFamily="34" charset="0"/>
                         <a:ea typeface="Calibri" panose="020F0502020204030204" pitchFamily="34" charset="0"/>
@@ -14370,12 +14422,12 @@
                         </a:spcAft>
                       </a:pPr>
                       <a:r>
-                        <a:rPr lang="en-NL" sz="800">
+                        <a:rPr lang="en-NL" sz="1050">
                           <a:effectLst/>
                         </a:rPr>
                         <a:t>water, javascript, game, css, workplac, php, mysql, jqueri, webspher, studi</a:t>
                       </a:r>
-                      <a:endParaRPr lang="en-NL" sz="1100">
+                      <a:endParaRPr lang="en-NL" sz="1600">
                         <a:effectLst/>
                         <a:latin typeface="Calibri" panose="020F0502020204030204" pitchFamily="34" charset="0"/>
                         <a:ea typeface="Calibri" panose="020F0502020204030204" pitchFamily="34" charset="0"/>
@@ -14396,60 +14448,60 @@
                         </a:spcAft>
                       </a:pPr>
                       <a:r>
-                        <a:rPr lang="en-NL" sz="800" dirty="0">
+                        <a:rPr lang="en-NL" sz="1050" dirty="0">
                           <a:effectLst/>
                         </a:rPr>
                         <a:t>[flexion, distract, chiropract, </a:t>
                       </a:r>
                       <a:r>
-                        <a:rPr lang="en-NL" sz="800" dirty="0" err="1">
+                        <a:rPr lang="en-NL" sz="1050" dirty="0" err="1">
                           <a:effectLst/>
                         </a:rPr>
                         <a:t>diversifi</a:t>
                       </a:r>
                       <a:r>
-                        <a:rPr lang="en-NL" sz="800" dirty="0">
+                        <a:rPr lang="en-NL" sz="1050" dirty="0">
                           <a:effectLst/>
                         </a:rPr>
                         <a:t>, </a:t>
                       </a:r>
                       <a:r>
-                        <a:rPr lang="en-NL" sz="800" dirty="0" err="1">
+                        <a:rPr lang="en-NL" sz="1050" dirty="0" err="1">
                           <a:effectLst/>
                         </a:rPr>
                         <a:t>techniqu</a:t>
                       </a:r>
                       <a:r>
-                        <a:rPr lang="en-NL" sz="800" dirty="0">
+                        <a:rPr lang="en-NL" sz="1050" dirty="0">
                           <a:effectLst/>
                         </a:rPr>
                         <a:t>, </a:t>
                       </a:r>
                       <a:r>
-                        <a:rPr lang="en-NL" sz="800" dirty="0" err="1">
+                        <a:rPr lang="en-NL" sz="1050" dirty="0" err="1">
                           <a:effectLst/>
                         </a:rPr>
                         <a:t>extrem</a:t>
                       </a:r>
                       <a:r>
-                        <a:rPr lang="en-NL" sz="800" dirty="0">
+                        <a:rPr lang="en-NL" sz="1050" dirty="0">
                           <a:effectLst/>
                         </a:rPr>
                         <a:t>, adjust, neck, pain, sport, </a:t>
                       </a:r>
                       <a:r>
-                        <a:rPr lang="en-NL" sz="800" dirty="0" err="1">
+                        <a:rPr lang="en-NL" sz="1050" dirty="0" err="1">
                           <a:effectLst/>
                         </a:rPr>
                         <a:t>chiropra</a:t>
                       </a:r>
                       <a:r>
-                        <a:rPr lang="en-NL" sz="800" dirty="0">
+                        <a:rPr lang="en-NL" sz="1050" dirty="0">
                           <a:effectLst/>
                         </a:rPr>
                         <a:t>...</a:t>
                       </a:r>
-                      <a:endParaRPr lang="en-NL" sz="1100" dirty="0">
+                      <a:endParaRPr lang="en-NL" sz="1600" dirty="0">
                         <a:effectLst/>
                         <a:latin typeface="Calibri" panose="020F0502020204030204" pitchFamily="34" charset="0"/>
                         <a:ea typeface="Calibri" panose="020F0502020204030204" pitchFamily="34" charset="0"/>
@@ -15121,14 +15173,14 @@
           <p:nvPr>
             <p:extLst>
               <p:ext uri="{D42A27DB-BD31-4B8C-83A1-F6EECF244321}">
-                <p14:modId xmlns:p14="http://schemas.microsoft.com/office/powerpoint/2010/main" val="1836867817"/>
+                <p14:modId xmlns:p14="http://schemas.microsoft.com/office/powerpoint/2010/main" val="3150044910"/>
               </p:ext>
             </p:extLst>
           </p:nvPr>
         </p:nvGraphicFramePr>
         <p:xfrm>
-          <a:off x="1098550" y="1847850"/>
-          <a:ext cx="6373335" cy="1708816"/>
+          <a:off x="410400" y="1192555"/>
+          <a:ext cx="8352001" cy="3059169"/>
         </p:xfrm>
         <a:graphic>
           <a:graphicData uri="http://schemas.openxmlformats.org/drawingml/2006/table">
@@ -15137,56 +15189,56 @@
                 <a:tableStyleId>{69CF1AB2-1976-4502-BF36-3FF5EA218861}</a:tableStyleId>
               </a:tblPr>
               <a:tblGrid>
-                <a:gridCol w="293692">
+                <a:gridCol w="384872">
                   <a:extLst>
                     <a:ext uri="{9D8B030D-6E8A-4147-A177-3AD203B41FA5}">
                       <a16:colId xmlns:a16="http://schemas.microsoft.com/office/drawing/2014/main" val="3541987181"/>
                     </a:ext>
                   </a:extLst>
                 </a:gridCol>
-                <a:gridCol w="1298246">
+                <a:gridCol w="1701300">
                   <a:extLst>
                     <a:ext uri="{9D8B030D-6E8A-4147-A177-3AD203B41FA5}">
                       <a16:colId xmlns:a16="http://schemas.microsoft.com/office/drawing/2014/main" val="1714818302"/>
                     </a:ext>
                   </a:extLst>
                 </a:gridCol>
-                <a:gridCol w="304157">
+                <a:gridCol w="398586">
                   <a:extLst>
                     <a:ext uri="{9D8B030D-6E8A-4147-A177-3AD203B41FA5}">
                       <a16:colId xmlns:a16="http://schemas.microsoft.com/office/drawing/2014/main" val="211230335"/>
                     </a:ext>
                   </a:extLst>
                 </a:gridCol>
-                <a:gridCol w="1289177">
+                <a:gridCol w="1689415">
                   <a:extLst>
                     <a:ext uri="{9D8B030D-6E8A-4147-A177-3AD203B41FA5}">
                       <a16:colId xmlns:a16="http://schemas.microsoft.com/office/drawing/2014/main" val="1767662501"/>
                     </a:ext>
                   </a:extLst>
                 </a:gridCol>
-                <a:gridCol w="372522">
+                <a:gridCol w="488175">
                   <a:extLst>
                     <a:ext uri="{9D8B030D-6E8A-4147-A177-3AD203B41FA5}">
                       <a16:colId xmlns:a16="http://schemas.microsoft.com/office/drawing/2014/main" val="4243398440"/>
                     </a:ext>
                   </a:extLst>
                 </a:gridCol>
-                <a:gridCol w="1221510">
+                <a:gridCol w="1600739">
                   <a:extLst>
                     <a:ext uri="{9D8B030D-6E8A-4147-A177-3AD203B41FA5}">
                       <a16:colId xmlns:a16="http://schemas.microsoft.com/office/drawing/2014/main" val="4097379381"/>
                     </a:ext>
                   </a:extLst>
                 </a:gridCol>
-                <a:gridCol w="359965">
+                <a:gridCol w="471721">
                   <a:extLst>
                     <a:ext uri="{9D8B030D-6E8A-4147-A177-3AD203B41FA5}">
                       <a16:colId xmlns:a16="http://schemas.microsoft.com/office/drawing/2014/main" val="193582322"/>
                     </a:ext>
                   </a:extLst>
                 </a:gridCol>
-                <a:gridCol w="1234066">
+                <a:gridCol w="1617193">
                   <a:extLst>
                     <a:ext uri="{9D8B030D-6E8A-4147-A177-3AD203B41FA5}">
                       <a16:colId xmlns:a16="http://schemas.microsoft.com/office/drawing/2014/main" val="1631631836"/>
@@ -15194,7 +15246,7 @@
                   </a:extLst>
                 </a:gridCol>
               </a:tblGrid>
-              <a:tr h="462532">
+              <a:tr h="786103">
                 <a:tc>
                   <a:txBody>
                     <a:bodyPr/>
@@ -15209,12 +15261,12 @@
                         </a:spcAft>
                       </a:pPr>
                       <a:r>
-                        <a:rPr lang="en-US" sz="800" b="0">
+                        <a:rPr lang="en-US" sz="1400" b="0">
                           <a:effectLst/>
                         </a:rPr>
                         <a:t>0</a:t>
                       </a:r>
-                      <a:endParaRPr lang="en-NL" sz="1100" b="0">
+                      <a:endParaRPr lang="en-NL" sz="2400" b="0">
                         <a:effectLst/>
                         <a:latin typeface="Calibri" panose="020F0502020204030204" pitchFamily="34" charset="0"/>
                         <a:ea typeface="Calibri" panose="020F0502020204030204" pitchFamily="34" charset="0"/>
@@ -15238,12 +15290,12 @@
                         </a:spcAft>
                       </a:pPr>
                       <a:r>
-                        <a:rPr lang="en-US" sz="800" b="0" dirty="0">
+                        <a:rPr lang="en-US" sz="1400" b="0" dirty="0">
                           <a:effectLst/>
                         </a:rPr>
                         <a:t>Creativity / media </a:t>
                       </a:r>
-                      <a:endParaRPr lang="en-NL" sz="1100" b="0" dirty="0">
+                      <a:endParaRPr lang="en-NL" sz="2400" b="0" dirty="0">
                         <a:effectLst/>
                         <a:latin typeface="Calibri" panose="020F0502020204030204" pitchFamily="34" charset="0"/>
                         <a:ea typeface="Calibri" panose="020F0502020204030204" pitchFamily="34" charset="0"/>
@@ -15267,12 +15319,12 @@
                         </a:spcAft>
                       </a:pPr>
                       <a:r>
-                        <a:rPr lang="en-US" sz="800" b="0">
+                        <a:rPr lang="en-US" sz="1400" b="0">
                           <a:effectLst/>
                         </a:rPr>
                         <a:t>5</a:t>
                       </a:r>
-                      <a:endParaRPr lang="en-NL" sz="1100" b="0">
+                      <a:endParaRPr lang="en-NL" sz="2400" b="0">
                         <a:effectLst/>
                         <a:latin typeface="Calibri" panose="020F0502020204030204" pitchFamily="34" charset="0"/>
                         <a:ea typeface="Calibri" panose="020F0502020204030204" pitchFamily="34" charset="0"/>
@@ -15296,12 +15348,12 @@
                         </a:spcAft>
                       </a:pPr>
                       <a:r>
-                        <a:rPr lang="en-US" sz="800" b="0">
+                        <a:rPr lang="en-US" sz="1400" b="0">
                           <a:effectLst/>
                         </a:rPr>
                         <a:t>Leisure time</a:t>
                       </a:r>
-                      <a:endParaRPr lang="en-NL" sz="1100" b="0">
+                      <a:endParaRPr lang="en-NL" sz="2400" b="0">
                         <a:effectLst/>
                         <a:latin typeface="Calibri" panose="020F0502020204030204" pitchFamily="34" charset="0"/>
                         <a:ea typeface="Calibri" panose="020F0502020204030204" pitchFamily="34" charset="0"/>
@@ -15325,12 +15377,12 @@
                         </a:spcAft>
                       </a:pPr>
                       <a:r>
-                        <a:rPr lang="en-US" sz="800" b="0">
+                        <a:rPr lang="en-US" sz="1400" b="0">
                           <a:effectLst/>
                         </a:rPr>
                         <a:t>10</a:t>
                       </a:r>
-                      <a:endParaRPr lang="en-NL" sz="1100" b="0">
+                      <a:endParaRPr lang="en-NL" sz="2400" b="0">
                         <a:effectLst/>
                         <a:latin typeface="Calibri" panose="020F0502020204030204" pitchFamily="34" charset="0"/>
                         <a:ea typeface="Calibri" panose="020F0502020204030204" pitchFamily="34" charset="0"/>
@@ -15354,12 +15406,12 @@
                         </a:spcAft>
                       </a:pPr>
                       <a:r>
-                        <a:rPr lang="en-US" sz="800" b="0" dirty="0">
+                        <a:rPr lang="en-US" sz="1400" b="0" dirty="0">
                           <a:effectLst/>
                         </a:rPr>
                         <a:t>Healthcare</a:t>
                       </a:r>
-                      <a:endParaRPr lang="en-NL" sz="1100" b="0" dirty="0">
+                      <a:endParaRPr lang="en-NL" sz="2400" b="0" dirty="0">
                         <a:effectLst/>
                         <a:latin typeface="Calibri" panose="020F0502020204030204" pitchFamily="34" charset="0"/>
                         <a:ea typeface="Calibri" panose="020F0502020204030204" pitchFamily="34" charset="0"/>
@@ -15383,12 +15435,12 @@
                         </a:spcAft>
                       </a:pPr>
                       <a:r>
-                        <a:rPr lang="en-US" sz="800" b="0">
+                        <a:rPr lang="en-US" sz="1400" b="0">
                           <a:effectLst/>
                         </a:rPr>
                         <a:t>15</a:t>
                       </a:r>
-                      <a:endParaRPr lang="en-NL" sz="1100" b="0">
+                      <a:endParaRPr lang="en-NL" sz="2400" b="0">
                         <a:effectLst/>
                         <a:latin typeface="Calibri" panose="020F0502020204030204" pitchFamily="34" charset="0"/>
                         <a:ea typeface="Calibri" panose="020F0502020204030204" pitchFamily="34" charset="0"/>
@@ -15412,12 +15464,12 @@
                         </a:spcAft>
                       </a:pPr>
                       <a:r>
-                        <a:rPr lang="en-US" sz="800" b="0">
+                        <a:rPr lang="en-US" sz="1400" b="0">
                           <a:effectLst/>
                         </a:rPr>
                         <a:t>Management / service</a:t>
                       </a:r>
-                      <a:endParaRPr lang="en-NL" sz="1100" b="0">
+                      <a:endParaRPr lang="en-NL" sz="2400" b="0">
                         <a:effectLst/>
                         <a:latin typeface="Calibri" panose="020F0502020204030204" pitchFamily="34" charset="0"/>
                         <a:ea typeface="Calibri" panose="020F0502020204030204" pitchFamily="34" charset="0"/>
@@ -15433,7 +15485,7 @@
                   </a:ext>
                 </a:extLst>
               </a:tr>
-              <a:tr h="311571">
+              <a:tr h="529536">
                 <a:tc>
                   <a:txBody>
                     <a:bodyPr/>
@@ -15448,12 +15500,12 @@
                         </a:spcAft>
                       </a:pPr>
                       <a:r>
-                        <a:rPr lang="en-US" sz="800" b="0">
+                        <a:rPr lang="en-US" sz="1400" b="0">
                           <a:effectLst/>
                         </a:rPr>
                         <a:t>1</a:t>
                       </a:r>
-                      <a:endParaRPr lang="en-NL" sz="1100" b="0">
+                      <a:endParaRPr lang="en-NL" sz="2400" b="0">
                         <a:effectLst/>
                         <a:latin typeface="Calibri" panose="020F0502020204030204" pitchFamily="34" charset="0"/>
                         <a:ea typeface="Calibri" panose="020F0502020204030204" pitchFamily="34" charset="0"/>
@@ -15477,12 +15529,12 @@
                         </a:spcAft>
                       </a:pPr>
                       <a:r>
-                        <a:rPr lang="en-US" sz="800" b="0" dirty="0">
+                        <a:rPr lang="en-US" sz="1400" b="0" dirty="0">
                           <a:effectLst/>
                         </a:rPr>
                         <a:t>Programming technology</a:t>
                       </a:r>
-                      <a:endParaRPr lang="en-NL" sz="1100" b="0" dirty="0">
+                      <a:endParaRPr lang="en-NL" sz="2400" b="0" dirty="0">
                         <a:effectLst/>
                         <a:latin typeface="Calibri" panose="020F0502020204030204" pitchFamily="34" charset="0"/>
                         <a:ea typeface="Calibri" panose="020F0502020204030204" pitchFamily="34" charset="0"/>
@@ -15506,12 +15558,12 @@
                         </a:spcAft>
                       </a:pPr>
                       <a:r>
-                        <a:rPr lang="en-US" sz="800" b="0">
+                        <a:rPr lang="en-US" sz="1400" b="0">
                           <a:effectLst/>
                         </a:rPr>
                         <a:t>6</a:t>
                       </a:r>
-                      <a:endParaRPr lang="en-NL" sz="1100" b="0">
+                      <a:endParaRPr lang="en-NL" sz="2400" b="0">
                         <a:effectLst/>
                         <a:latin typeface="Calibri" panose="020F0502020204030204" pitchFamily="34" charset="0"/>
                         <a:ea typeface="Calibri" panose="020F0502020204030204" pitchFamily="34" charset="0"/>
@@ -15535,12 +15587,12 @@
                         </a:spcAft>
                       </a:pPr>
                       <a:r>
-                        <a:rPr lang="en-US" sz="800" b="0" dirty="0">
+                        <a:rPr lang="en-US" sz="1400" b="0" dirty="0">
                           <a:effectLst/>
                         </a:rPr>
                         <a:t>Education</a:t>
                       </a:r>
-                      <a:endParaRPr lang="en-NL" sz="1100" b="0" dirty="0">
+                      <a:endParaRPr lang="en-NL" sz="2400" b="0" dirty="0">
                         <a:effectLst/>
                         <a:latin typeface="Calibri" panose="020F0502020204030204" pitchFamily="34" charset="0"/>
                         <a:ea typeface="Calibri" panose="020F0502020204030204" pitchFamily="34" charset="0"/>
@@ -15564,12 +15616,12 @@
                         </a:spcAft>
                       </a:pPr>
                       <a:r>
-                        <a:rPr lang="en-US" sz="800" b="0">
+                        <a:rPr lang="en-US" sz="1400" b="0">
                           <a:effectLst/>
                         </a:rPr>
                         <a:t>11</a:t>
                       </a:r>
-                      <a:endParaRPr lang="en-NL" sz="1100" b="0">
+                      <a:endParaRPr lang="en-NL" sz="2400" b="0">
                         <a:effectLst/>
                         <a:latin typeface="Calibri" panose="020F0502020204030204" pitchFamily="34" charset="0"/>
                         <a:ea typeface="Calibri" panose="020F0502020204030204" pitchFamily="34" charset="0"/>
@@ -15593,12 +15645,12 @@
                         </a:spcAft>
                       </a:pPr>
                       <a:r>
-                        <a:rPr lang="en-US" sz="800" b="0">
+                        <a:rPr lang="en-US" sz="1400" b="0">
                           <a:effectLst/>
                         </a:rPr>
                         <a:t>Sales</a:t>
                       </a:r>
-                      <a:endParaRPr lang="en-NL" sz="1100" b="0">
+                      <a:endParaRPr lang="en-NL" sz="2400" b="0">
                         <a:effectLst/>
                         <a:latin typeface="Calibri" panose="020F0502020204030204" pitchFamily="34" charset="0"/>
                         <a:ea typeface="Calibri" panose="020F0502020204030204" pitchFamily="34" charset="0"/>
@@ -15622,12 +15674,12 @@
                         </a:spcAft>
                       </a:pPr>
                       <a:r>
-                        <a:rPr lang="en-US" sz="800" b="0">
+                        <a:rPr lang="en-US" sz="1400" b="0">
                           <a:effectLst/>
                         </a:rPr>
                         <a:t>16</a:t>
                       </a:r>
-                      <a:endParaRPr lang="en-NL" sz="1100" b="0">
+                      <a:endParaRPr lang="en-NL" sz="2400" b="0">
                         <a:effectLst/>
                         <a:latin typeface="Calibri" panose="020F0502020204030204" pitchFamily="34" charset="0"/>
                         <a:ea typeface="Calibri" panose="020F0502020204030204" pitchFamily="34" charset="0"/>
@@ -15651,12 +15703,12 @@
                         </a:spcAft>
                       </a:pPr>
                       <a:r>
-                        <a:rPr lang="en-US" sz="800" b="0">
+                        <a:rPr lang="en-US" sz="1400" b="0">
                           <a:effectLst/>
                         </a:rPr>
                         <a:t>Biology research</a:t>
                       </a:r>
-                      <a:endParaRPr lang="en-NL" sz="1100" b="0">
+                      <a:endParaRPr lang="en-NL" sz="2400" b="0">
                         <a:effectLst/>
                         <a:latin typeface="Calibri" panose="020F0502020204030204" pitchFamily="34" charset="0"/>
                         <a:ea typeface="Calibri" panose="020F0502020204030204" pitchFamily="34" charset="0"/>
@@ -15672,7 +15724,7 @@
                   </a:ext>
                 </a:extLst>
               </a:tr>
-              <a:tr h="311571">
+              <a:tr h="529536">
                 <a:tc>
                   <a:txBody>
                     <a:bodyPr/>
@@ -15687,12 +15739,12 @@
                         </a:spcAft>
                       </a:pPr>
                       <a:r>
-                        <a:rPr lang="en-US" sz="800" b="0">
+                        <a:rPr lang="en-US" sz="1400" b="0">
                           <a:effectLst/>
                         </a:rPr>
                         <a:t>2</a:t>
                       </a:r>
-                      <a:endParaRPr lang="en-NL" sz="1100" b="0">
+                      <a:endParaRPr lang="en-NL" sz="2400" b="0">
                         <a:effectLst/>
                         <a:latin typeface="Calibri" panose="020F0502020204030204" pitchFamily="34" charset="0"/>
                         <a:ea typeface="Calibri" panose="020F0502020204030204" pitchFamily="34" charset="0"/>
@@ -15716,12 +15768,12 @@
                         </a:spcAft>
                       </a:pPr>
                       <a:r>
-                        <a:rPr lang="en-US" sz="800" b="0">
+                        <a:rPr lang="en-US" sz="1400" b="0">
                           <a:effectLst/>
                         </a:rPr>
                         <a:t>Industry / finance</a:t>
                       </a:r>
-                      <a:endParaRPr lang="en-NL" sz="1100" b="0">
+                      <a:endParaRPr lang="en-NL" sz="2400" b="0">
                         <a:effectLst/>
                         <a:latin typeface="Calibri" panose="020F0502020204030204" pitchFamily="34" charset="0"/>
                         <a:ea typeface="Calibri" panose="020F0502020204030204" pitchFamily="34" charset="0"/>
@@ -15745,12 +15797,12 @@
                         </a:spcAft>
                       </a:pPr>
                       <a:r>
-                        <a:rPr lang="en-US" sz="800" b="0">
+                        <a:rPr lang="en-US" sz="1400" b="0">
                           <a:effectLst/>
                         </a:rPr>
                         <a:t>7</a:t>
                       </a:r>
-                      <a:endParaRPr lang="en-NL" sz="1100" b="0">
+                      <a:endParaRPr lang="en-NL" sz="2400" b="0">
                         <a:effectLst/>
                         <a:latin typeface="Calibri" panose="020F0502020204030204" pitchFamily="34" charset="0"/>
                         <a:ea typeface="Calibri" panose="020F0502020204030204" pitchFamily="34" charset="0"/>
@@ -15774,12 +15826,12 @@
                         </a:spcAft>
                       </a:pPr>
                       <a:r>
-                        <a:rPr lang="en-US" sz="800" b="0">
+                        <a:rPr lang="en-US" sz="1400" b="0">
                           <a:effectLst/>
                         </a:rPr>
                         <a:t>Computer tools</a:t>
                       </a:r>
-                      <a:endParaRPr lang="en-NL" sz="1100" b="0">
+                      <a:endParaRPr lang="en-NL" sz="2400" b="0">
                         <a:effectLst/>
                         <a:latin typeface="Calibri" panose="020F0502020204030204" pitchFamily="34" charset="0"/>
                         <a:ea typeface="Calibri" panose="020F0502020204030204" pitchFamily="34" charset="0"/>
@@ -15803,12 +15855,12 @@
                         </a:spcAft>
                       </a:pPr>
                       <a:r>
-                        <a:rPr lang="en-US" sz="800" b="0">
+                        <a:rPr lang="en-US" sz="1400" b="0">
                           <a:effectLst/>
                         </a:rPr>
                         <a:t>12</a:t>
                       </a:r>
-                      <a:endParaRPr lang="en-NL" sz="1100" b="0">
+                      <a:endParaRPr lang="en-NL" sz="2400" b="0">
                         <a:effectLst/>
                         <a:latin typeface="Calibri" panose="020F0502020204030204" pitchFamily="34" charset="0"/>
                         <a:ea typeface="Calibri" panose="020F0502020204030204" pitchFamily="34" charset="0"/>
@@ -15832,12 +15884,12 @@
                         </a:spcAft>
                       </a:pPr>
                       <a:r>
-                        <a:rPr lang="en-US" sz="800" b="0">
+                        <a:rPr lang="en-US" sz="1400" b="0">
                           <a:effectLst/>
                         </a:rPr>
                         <a:t>Design tools</a:t>
                       </a:r>
-                      <a:endParaRPr lang="en-NL" sz="1100" b="0">
+                      <a:endParaRPr lang="en-NL" sz="2400" b="0">
                         <a:effectLst/>
                         <a:latin typeface="Calibri" panose="020F0502020204030204" pitchFamily="34" charset="0"/>
                         <a:ea typeface="Calibri" panose="020F0502020204030204" pitchFamily="34" charset="0"/>
@@ -15861,12 +15913,12 @@
                         </a:spcAft>
                       </a:pPr>
                       <a:r>
-                        <a:rPr lang="en-US" sz="800" b="0">
+                        <a:rPr lang="en-US" sz="1400" b="0">
                           <a:effectLst/>
                         </a:rPr>
                         <a:t>17</a:t>
                       </a:r>
-                      <a:endParaRPr lang="en-NL" sz="1100" b="0">
+                      <a:endParaRPr lang="en-NL" sz="2400" b="0">
                         <a:effectLst/>
                         <a:latin typeface="Calibri" panose="020F0502020204030204" pitchFamily="34" charset="0"/>
                         <a:ea typeface="Calibri" panose="020F0502020204030204" pitchFamily="34" charset="0"/>
@@ -15890,12 +15942,12 @@
                         </a:spcAft>
                       </a:pPr>
                       <a:r>
-                        <a:rPr lang="en-US" sz="800" b="0">
+                        <a:rPr lang="en-US" sz="1400" b="0">
                           <a:effectLst/>
                         </a:rPr>
                         <a:t>Marketing</a:t>
                       </a:r>
-                      <a:endParaRPr lang="en-NL" sz="1100" b="0">
+                      <a:endParaRPr lang="en-NL" sz="2400" b="0">
                         <a:effectLst/>
                         <a:latin typeface="Calibri" panose="020F0502020204030204" pitchFamily="34" charset="0"/>
                         <a:ea typeface="Calibri" panose="020F0502020204030204" pitchFamily="34" charset="0"/>
@@ -15911,7 +15963,7 @@
                   </a:ext>
                 </a:extLst>
               </a:tr>
-              <a:tr h="311571">
+              <a:tr h="529536">
                 <a:tc>
                   <a:txBody>
                     <a:bodyPr/>
@@ -15926,12 +15978,12 @@
                         </a:spcAft>
                       </a:pPr>
                       <a:r>
-                        <a:rPr lang="en-US" sz="800" b="0">
+                        <a:rPr lang="en-US" sz="1400" b="0">
                           <a:effectLst/>
                         </a:rPr>
                         <a:t>3</a:t>
                       </a:r>
-                      <a:endParaRPr lang="en-NL" sz="1100" b="0">
+                      <a:endParaRPr lang="en-NL" sz="2400" b="0">
                         <a:effectLst/>
                         <a:latin typeface="Calibri" panose="020F0502020204030204" pitchFamily="34" charset="0"/>
                         <a:ea typeface="Calibri" panose="020F0502020204030204" pitchFamily="34" charset="0"/>
@@ -15955,12 +16007,12 @@
                         </a:spcAft>
                       </a:pPr>
                       <a:r>
-                        <a:rPr lang="en-US" sz="800" b="0">
+                        <a:rPr lang="en-US" sz="1400" b="0">
                           <a:effectLst/>
                         </a:rPr>
                         <a:t>Internet</a:t>
                       </a:r>
-                      <a:endParaRPr lang="en-NL" sz="1100" b="0">
+                      <a:endParaRPr lang="en-NL" sz="2400" b="0">
                         <a:effectLst/>
                         <a:latin typeface="Calibri" panose="020F0502020204030204" pitchFamily="34" charset="0"/>
                         <a:ea typeface="Calibri" panose="020F0502020204030204" pitchFamily="34" charset="0"/>
@@ -15984,12 +16036,12 @@
                         </a:spcAft>
                       </a:pPr>
                       <a:r>
-                        <a:rPr lang="en-US" sz="800" b="0">
+                        <a:rPr lang="en-US" sz="1400" b="0">
                           <a:effectLst/>
                         </a:rPr>
                         <a:t>8</a:t>
                       </a:r>
-                      <a:endParaRPr lang="en-NL" sz="1100" b="0">
+                      <a:endParaRPr lang="en-NL" sz="2400" b="0">
                         <a:effectLst/>
                         <a:latin typeface="Calibri" panose="020F0502020204030204" pitchFamily="34" charset="0"/>
                         <a:ea typeface="Calibri" panose="020F0502020204030204" pitchFamily="34" charset="0"/>
@@ -16013,12 +16065,12 @@
                         </a:spcAft>
                       </a:pPr>
                       <a:r>
-                        <a:rPr lang="en-US" sz="800" b="0">
+                        <a:rPr lang="en-US" sz="1400" b="0">
                           <a:effectLst/>
                         </a:rPr>
                         <a:t>Personal development</a:t>
                       </a:r>
-                      <a:endParaRPr lang="en-NL" sz="1100" b="0">
+                      <a:endParaRPr lang="en-NL" sz="2400" b="0">
                         <a:effectLst/>
                         <a:latin typeface="Calibri" panose="020F0502020204030204" pitchFamily="34" charset="0"/>
                         <a:ea typeface="Calibri" panose="020F0502020204030204" pitchFamily="34" charset="0"/>
@@ -16042,12 +16094,12 @@
                         </a:spcAft>
                       </a:pPr>
                       <a:r>
-                        <a:rPr lang="en-US" sz="800" b="0">
+                        <a:rPr lang="en-US" sz="1400" b="0">
                           <a:effectLst/>
                         </a:rPr>
                         <a:t>13</a:t>
                       </a:r>
-                      <a:endParaRPr lang="en-NL" sz="1100" b="0">
+                      <a:endParaRPr lang="en-NL" sz="2400" b="0">
                         <a:effectLst/>
                         <a:latin typeface="Calibri" panose="020F0502020204030204" pitchFamily="34" charset="0"/>
                         <a:ea typeface="Calibri" panose="020F0502020204030204" pitchFamily="34" charset="0"/>
@@ -16071,12 +16123,12 @@
                         </a:spcAft>
                       </a:pPr>
                       <a:r>
-                        <a:rPr lang="en-US" sz="800" b="0">
+                        <a:rPr lang="en-US" sz="1400" b="0">
                           <a:effectLst/>
                         </a:rPr>
                         <a:t>Microsoft Windows</a:t>
                       </a:r>
-                      <a:endParaRPr lang="en-NL" sz="1100" b="0">
+                      <a:endParaRPr lang="en-NL" sz="2400" b="0">
                         <a:effectLst/>
                         <a:latin typeface="Calibri" panose="020F0502020204030204" pitchFamily="34" charset="0"/>
                         <a:ea typeface="Calibri" panose="020F0502020204030204" pitchFamily="34" charset="0"/>
@@ -16100,12 +16152,12 @@
                         </a:spcAft>
                       </a:pPr>
                       <a:r>
-                        <a:rPr lang="en-US" sz="800" b="0">
+                        <a:rPr lang="en-US" sz="1400" b="0">
                           <a:effectLst/>
                         </a:rPr>
                         <a:t>18</a:t>
                       </a:r>
-                      <a:endParaRPr lang="en-NL" sz="1100" b="0">
+                      <a:endParaRPr lang="en-NL" sz="2400" b="0">
                         <a:effectLst/>
                         <a:latin typeface="Calibri" panose="020F0502020204030204" pitchFamily="34" charset="0"/>
                         <a:ea typeface="Calibri" panose="020F0502020204030204" pitchFamily="34" charset="0"/>
@@ -16129,12 +16181,12 @@
                         </a:spcAft>
                       </a:pPr>
                       <a:r>
-                        <a:rPr lang="en-US" sz="800" b="0">
+                        <a:rPr lang="en-US" sz="1400" b="0">
                           <a:effectLst/>
                         </a:rPr>
                         <a:t>Engineering</a:t>
                       </a:r>
-                      <a:endParaRPr lang="en-NL" sz="1100" b="0">
+                      <a:endParaRPr lang="en-NL" sz="2400" b="0">
                         <a:effectLst/>
                         <a:latin typeface="Calibri" panose="020F0502020204030204" pitchFamily="34" charset="0"/>
                         <a:ea typeface="Calibri" panose="020F0502020204030204" pitchFamily="34" charset="0"/>
@@ -16150,7 +16202,7 @@
                   </a:ext>
                 </a:extLst>
               </a:tr>
-              <a:tr h="311571">
+              <a:tr h="529536">
                 <a:tc>
                   <a:txBody>
                     <a:bodyPr/>
@@ -16165,12 +16217,12 @@
                         </a:spcAft>
                       </a:pPr>
                       <a:r>
-                        <a:rPr lang="en-US" sz="800" b="0">
+                        <a:rPr lang="en-US" sz="1400" b="0">
                           <a:effectLst/>
                         </a:rPr>
                         <a:t>4</a:t>
                       </a:r>
-                      <a:endParaRPr lang="en-NL" sz="1100" b="0">
+                      <a:endParaRPr lang="en-NL" sz="2400" b="0">
                         <a:effectLst/>
                         <a:latin typeface="Calibri" panose="020F0502020204030204" pitchFamily="34" charset="0"/>
                         <a:ea typeface="Calibri" panose="020F0502020204030204" pitchFamily="34" charset="0"/>
@@ -16194,12 +16246,12 @@
                         </a:spcAft>
                       </a:pPr>
                       <a:r>
-                        <a:rPr lang="en-US" sz="800" b="0">
+                        <a:rPr lang="en-US" sz="1400" b="0">
                           <a:effectLst/>
                         </a:rPr>
                         <a:t>Skills / work</a:t>
                       </a:r>
-                      <a:endParaRPr lang="en-NL" sz="1100" b="0">
+                      <a:endParaRPr lang="en-NL" sz="2400" b="0">
                         <a:effectLst/>
                         <a:latin typeface="Calibri" panose="020F0502020204030204" pitchFamily="34" charset="0"/>
                         <a:ea typeface="Calibri" panose="020F0502020204030204" pitchFamily="34" charset="0"/>
@@ -16223,12 +16275,12 @@
                         </a:spcAft>
                       </a:pPr>
                       <a:r>
-                        <a:rPr lang="en-US" sz="800" b="0">
+                        <a:rPr lang="en-US" sz="1400" b="0">
                           <a:effectLst/>
                         </a:rPr>
                         <a:t>9</a:t>
                       </a:r>
-                      <a:endParaRPr lang="en-NL" sz="1100" b="0">
+                      <a:endParaRPr lang="en-NL" sz="2400" b="0">
                         <a:effectLst/>
                         <a:latin typeface="Calibri" panose="020F0502020204030204" pitchFamily="34" charset="0"/>
                         <a:ea typeface="Calibri" panose="020F0502020204030204" pitchFamily="34" charset="0"/>
@@ -16252,12 +16304,12 @@
                         </a:spcAft>
                       </a:pPr>
                       <a:r>
-                        <a:rPr lang="en-US" sz="800" b="0">
+                        <a:rPr lang="en-US" sz="1400" b="0">
                           <a:effectLst/>
                         </a:rPr>
                         <a:t>Science / trade</a:t>
                       </a:r>
-                      <a:endParaRPr lang="en-NL" sz="1100" b="0">
+                      <a:endParaRPr lang="en-NL" sz="2400" b="0">
                         <a:effectLst/>
                         <a:latin typeface="Calibri" panose="020F0502020204030204" pitchFamily="34" charset="0"/>
                         <a:ea typeface="Calibri" panose="020F0502020204030204" pitchFamily="34" charset="0"/>
@@ -16281,12 +16333,12 @@
                         </a:spcAft>
                       </a:pPr>
                       <a:r>
-                        <a:rPr lang="en-US" sz="800" b="0">
+                        <a:rPr lang="en-US" sz="1400" b="0">
                           <a:effectLst/>
                         </a:rPr>
                         <a:t>14</a:t>
                       </a:r>
-                      <a:endParaRPr lang="en-NL" sz="1100" b="0">
+                      <a:endParaRPr lang="en-NL" sz="2400" b="0">
                         <a:effectLst/>
                         <a:latin typeface="Calibri" panose="020F0502020204030204" pitchFamily="34" charset="0"/>
                         <a:ea typeface="Calibri" panose="020F0502020204030204" pitchFamily="34" charset="0"/>
@@ -16310,12 +16362,12 @@
                         </a:spcAft>
                       </a:pPr>
                       <a:r>
-                        <a:rPr lang="en-US" sz="800" b="0">
+                        <a:rPr lang="en-US" sz="1400" b="0">
                           <a:effectLst/>
                         </a:rPr>
                         <a:t>Companies</a:t>
                       </a:r>
-                      <a:endParaRPr lang="en-NL" sz="1100" b="0">
+                      <a:endParaRPr lang="en-NL" sz="2400" b="0">
                         <a:effectLst/>
                         <a:latin typeface="Calibri" panose="020F0502020204030204" pitchFamily="34" charset="0"/>
                         <a:ea typeface="Calibri" panose="020F0502020204030204" pitchFamily="34" charset="0"/>
@@ -16339,12 +16391,12 @@
                         </a:spcAft>
                       </a:pPr>
                       <a:r>
-                        <a:rPr lang="en-US" sz="800" b="0">
+                        <a:rPr lang="en-US" sz="1400" b="0">
                           <a:effectLst/>
                         </a:rPr>
                         <a:t>19</a:t>
                       </a:r>
-                      <a:endParaRPr lang="en-NL" sz="1100" b="0">
+                      <a:endParaRPr lang="en-NL" sz="2400" b="0">
                         <a:effectLst/>
                         <a:latin typeface="Calibri" panose="020F0502020204030204" pitchFamily="34" charset="0"/>
                         <a:ea typeface="Calibri" panose="020F0502020204030204" pitchFamily="34" charset="0"/>
@@ -16368,12 +16420,12 @@
                         </a:spcAft>
                       </a:pPr>
                       <a:r>
-                        <a:rPr lang="en-US" sz="800" b="0" dirty="0">
+                        <a:rPr lang="en-US" sz="1400" b="0" dirty="0">
                           <a:effectLst/>
                         </a:rPr>
                         <a:t>Web analytics</a:t>
                       </a:r>
-                      <a:endParaRPr lang="en-NL" sz="1100" b="0" dirty="0">
+                      <a:endParaRPr lang="en-NL" sz="2400" b="0" dirty="0">
                         <a:effectLst/>
                         <a:latin typeface="Calibri" panose="020F0502020204030204" pitchFamily="34" charset="0"/>
                         <a:ea typeface="Calibri" panose="020F0502020204030204" pitchFamily="34" charset="0"/>
@@ -17218,108 +17270,108 @@
               <a:buNone/>
             </a:pPr>
             <a:r>
-              <a:rPr lang="en-US" dirty="0"/>
+              <a:rPr lang="en-US" sz="2400" dirty="0"/>
               <a:t>From Skills dataset + Topic Modeling </a:t>
             </a:r>
           </a:p>
           <a:p>
             <a:pPr marL="488250" lvl="2" indent="-285750"/>
             <a:r>
-              <a:rPr lang="en-US" dirty="0"/>
+              <a:rPr lang="en-US" sz="2400" dirty="0"/>
               <a:t>Some weird words in the topics</a:t>
             </a:r>
           </a:p>
           <a:p>
             <a:pPr marL="488250" lvl="2" indent="-285750"/>
             <a:r>
-              <a:rPr lang="en-US" dirty="0"/>
+              <a:rPr lang="en-US" sz="2400" dirty="0"/>
               <a:t>However, also logical words in topics</a:t>
             </a:r>
           </a:p>
           <a:p>
             <a:pPr marL="488250" lvl="2" indent="-285750"/>
             <a:r>
-              <a:rPr lang="en-US" dirty="0"/>
+              <a:rPr lang="en-US" sz="2400" dirty="0"/>
               <a:t>Three “categories”: </a:t>
             </a:r>
             <a:r>
-              <a:rPr lang="en-US" b="1" dirty="0"/>
+              <a:rPr lang="en-US" sz="2400" b="1" dirty="0"/>
               <a:t>free time/creativity</a:t>
             </a:r>
             <a:r>
-              <a:rPr lang="en-US" dirty="0"/>
+              <a:rPr lang="en-US" sz="2400" dirty="0"/>
               <a:t>, </a:t>
             </a:r>
             <a:r>
-              <a:rPr lang="en-US" b="1" dirty="0"/>
+              <a:rPr lang="en-US" sz="2400" b="1" dirty="0"/>
               <a:t>technical skills</a:t>
             </a:r>
             <a:r>
-              <a:rPr lang="en-US" dirty="0"/>
+              <a:rPr lang="en-US" sz="2400" dirty="0"/>
               <a:t>, </a:t>
             </a:r>
             <a:r>
-              <a:rPr lang="en-US" b="1" dirty="0"/>
+              <a:rPr lang="en-US" sz="2400" b="1" dirty="0"/>
               <a:t>social skills</a:t>
             </a:r>
           </a:p>
           <a:p>
             <a:pPr marL="488250" lvl="2" indent="-285750"/>
             <a:r>
-              <a:rPr lang="en-US" dirty="0"/>
-              <a:t>The most important topics are (in subsequent order) topic 1, 15, 13, 8 and 7. They concern </a:t>
-            </a:r>
-            <a:r>
-              <a:rPr lang="en-US" b="1" dirty="0"/>
+              <a:rPr lang="en-US" sz="2400" dirty="0"/>
+              <a:t>The most important topics are </a:t>
+            </a:r>
+            <a:r>
+              <a:rPr lang="en-US" sz="2400" b="1" dirty="0"/>
               <a:t>programming technology</a:t>
             </a:r>
             <a:r>
-              <a:rPr lang="en-US" dirty="0"/>
+              <a:rPr lang="en-US" sz="2400" dirty="0"/>
               <a:t>, </a:t>
             </a:r>
             <a:r>
-              <a:rPr lang="en-US" b="1" dirty="0"/>
+              <a:rPr lang="en-US" sz="2400" b="1" dirty="0"/>
               <a:t>management/service</a:t>
             </a:r>
             <a:r>
-              <a:rPr lang="en-US" dirty="0"/>
+              <a:rPr lang="en-US" sz="2400" dirty="0"/>
               <a:t>, </a:t>
             </a:r>
             <a:r>
-              <a:rPr lang="en-US" b="1" dirty="0"/>
+              <a:rPr lang="en-US" sz="2400" b="1" dirty="0"/>
               <a:t>Microsoft Windows</a:t>
             </a:r>
             <a:r>
-              <a:rPr lang="en-US" dirty="0"/>
+              <a:rPr lang="en-US" sz="2400" dirty="0"/>
               <a:t>, </a:t>
             </a:r>
             <a:r>
-              <a:rPr lang="en-US" b="1" dirty="0"/>
+              <a:rPr lang="en-US" sz="2400" b="1" dirty="0"/>
               <a:t>personal development</a:t>
             </a:r>
             <a:r>
-              <a:rPr lang="en-US" dirty="0"/>
+              <a:rPr lang="en-US" sz="2400" dirty="0"/>
               <a:t> and </a:t>
             </a:r>
             <a:r>
-              <a:rPr lang="en-US" b="1" dirty="0"/>
+              <a:rPr lang="en-US" sz="2400" b="1" dirty="0"/>
               <a:t>computer tools</a:t>
             </a:r>
             <a:r>
-              <a:rPr lang="en-US" dirty="0"/>
+              <a:rPr lang="en-US" sz="2400" dirty="0"/>
               <a:t>. </a:t>
             </a:r>
           </a:p>
           <a:p>
             <a:pPr marL="488250" lvl="2" indent="-285750"/>
-            <a:endParaRPr lang="en-US" dirty="0"/>
+            <a:endParaRPr lang="en-US" sz="2400" dirty="0"/>
           </a:p>
           <a:p>
             <a:pPr marL="285750" indent="-285750">
               <a:buFont typeface="Arial" panose="020B0604020202020204" pitchFamily="34" charset="0"/>
               <a:buChar char="•"/>
             </a:pPr>
-            <a:endParaRPr lang="en-NL" dirty="0"/>
+            <a:endParaRPr lang="en-NL" sz="2400" dirty="0"/>
           </a:p>
         </p:txBody>
       </p:sp>
@@ -17381,6 +17433,135 @@
           </a:p>
         </p:txBody>
       </p:sp>
+    </p:spTree>
+    <p:extLst>
+      <p:ext uri="{BB962C8B-B14F-4D97-AF65-F5344CB8AC3E}">
+        <p14:creationId xmlns:p14="http://schemas.microsoft.com/office/powerpoint/2010/main" val="3862494435"/>
+      </p:ext>
+    </p:extLst>
+  </p:cSld>
+  <p:clrMapOvr>
+    <a:masterClrMapping/>
+  </p:clrMapOvr>
+  <mc:AlternateContent xmlns:mc="http://schemas.openxmlformats.org/markup-compatibility/2006" xmlns:p14="http://schemas.microsoft.com/office/powerpoint/2010/main">
+    <mc:Choice Requires="p14">
+      <p:transition spd="med" p14:dur="700">
+        <p:fade/>
+      </p:transition>
+    </mc:Choice>
+    <mc:Fallback xmlns="">
+      <p:transition spd="med">
+        <p:fade/>
+      </p:transition>
+    </mc:Fallback>
+  </mc:AlternateContent>
+</p:sld>
+</file>
+
+<file path=ppt/slides/slide33.xml><?xml version="1.0" encoding="utf-8"?>
+<p:sld xmlns:a="http://schemas.openxmlformats.org/drawingml/2006/main" xmlns:r="http://schemas.openxmlformats.org/officeDocument/2006/relationships" xmlns:p="http://schemas.openxmlformats.org/presentationml/2006/main">
+  <p:cSld>
+    <p:spTree>
+      <p:nvGrpSpPr>
+        <p:cNvPr id="1" name=""/>
+        <p:cNvGrpSpPr/>
+        <p:nvPr/>
+      </p:nvGrpSpPr>
+      <p:grpSpPr>
+        <a:xfrm>
+          <a:off x="0" y="0"/>
+          <a:ext cx="0" cy="0"/>
+          <a:chOff x="0" y="0"/>
+          <a:chExt cx="0" cy="0"/>
+        </a:xfrm>
+      </p:grpSpPr>
+      <p:sp>
+        <p:nvSpPr>
+          <p:cNvPr id="2" name="Title 1">
+            <a:extLst>
+              <a:ext uri="{FF2B5EF4-FFF2-40B4-BE49-F238E27FC236}">
+                <a16:creationId xmlns:a16="http://schemas.microsoft.com/office/drawing/2014/main" id="{0A404BF1-CE9B-4EE3-87C3-A589560684A8}"/>
+              </a:ext>
+            </a:extLst>
+          </p:cNvPr>
+          <p:cNvSpPr>
+            <a:spLocks noGrp="1"/>
+          </p:cNvSpPr>
+          <p:nvPr>
+            <p:ph type="title"/>
+          </p:nvPr>
+        </p:nvSpPr>
+        <p:spPr/>
+        <p:txBody>
+          <a:bodyPr/>
+          <a:lstStyle/>
+          <a:p>
+            <a:r>
+              <a:rPr lang="en-US" dirty="0"/>
+              <a:t>Discussion</a:t>
+            </a:r>
+            <a:endParaRPr lang="en-NL" dirty="0"/>
+          </a:p>
+        </p:txBody>
+      </p:sp>
+      <p:sp>
+        <p:nvSpPr>
+          <p:cNvPr id="4" name="Footer Placeholder 3">
+            <a:extLst>
+              <a:ext uri="{FF2B5EF4-FFF2-40B4-BE49-F238E27FC236}">
+                <a16:creationId xmlns:a16="http://schemas.microsoft.com/office/drawing/2014/main" id="{A90BD3DA-2B5A-4804-BFB4-EFC81276DD7E}"/>
+              </a:ext>
+            </a:extLst>
+          </p:cNvPr>
+          <p:cNvSpPr>
+            <a:spLocks noGrp="1"/>
+          </p:cNvSpPr>
+          <p:nvPr>
+            <p:ph type="ftr" sz="quarter" idx="11"/>
+          </p:nvPr>
+        </p:nvSpPr>
+        <p:spPr/>
+        <p:txBody>
+          <a:bodyPr/>
+          <a:lstStyle/>
+          <a:p>
+            <a:r>
+              <a:rPr lang="en-US"/>
+              <a:t>Topic extraction over skills data and online profiles</a:t>
+            </a:r>
+            <a:endParaRPr lang="en-US" dirty="0"/>
+          </a:p>
+        </p:txBody>
+      </p:sp>
+      <p:sp>
+        <p:nvSpPr>
+          <p:cNvPr id="5" name="Slide Number Placeholder 4">
+            <a:extLst>
+              <a:ext uri="{FF2B5EF4-FFF2-40B4-BE49-F238E27FC236}">
+                <a16:creationId xmlns:a16="http://schemas.microsoft.com/office/drawing/2014/main" id="{AF25CABA-86EF-436E-B14C-B8BCBA82619C}"/>
+              </a:ext>
+            </a:extLst>
+          </p:cNvPr>
+          <p:cNvSpPr>
+            <a:spLocks noGrp="1"/>
+          </p:cNvSpPr>
+          <p:nvPr>
+            <p:ph type="sldNum" sz="quarter" idx="12"/>
+          </p:nvPr>
+        </p:nvSpPr>
+        <p:spPr/>
+        <p:txBody>
+          <a:bodyPr/>
+          <a:lstStyle/>
+          <a:p>
+            <a:fld id="{B7CEC10D-CD46-426F-915E-6C78530279CB}" type="slidenum">
+              <a:rPr lang="en-US" smtClean="0"/>
+              <a:t>33</a:t>
+            </a:fld>
+            <a:endParaRPr lang="en-US" dirty="0"/>
+          </a:p>
+        </p:txBody>
+      </p:sp>
       <p:sp>
         <p:nvSpPr>
           <p:cNvPr id="6" name="Content Placeholder 2">
@@ -17397,7 +17578,7 @@
         </p:nvSpPr>
         <p:spPr>
           <a:xfrm>
-            <a:off x="608787" y="2994094"/>
+            <a:off x="471987" y="1352494"/>
             <a:ext cx="7922712" cy="2149406"/>
           </a:xfrm>
           <a:prstGeom prst="rect">
@@ -17591,107 +17772,107 @@
               <a:buNone/>
             </a:pPr>
             <a:r>
-              <a:rPr lang="en-US" dirty="0"/>
+              <a:rPr lang="en-US" sz="2400" dirty="0"/>
               <a:t>From LinkedIn dataset + </a:t>
             </a:r>
             <a:r>
-              <a:rPr lang="en-US" dirty="0" err="1"/>
+              <a:rPr lang="en-US" sz="2400" dirty="0" err="1"/>
               <a:t>DataCleaner</a:t>
             </a:r>
             <a:r>
-              <a:rPr lang="en-US" dirty="0"/>
+              <a:rPr lang="en-US" sz="2400" dirty="0"/>
               <a:t> tool</a:t>
             </a:r>
           </a:p>
           <a:p>
             <a:pPr marL="488250" lvl="2" indent="-285750"/>
             <a:r>
-              <a:rPr lang="en-US" dirty="0"/>
+              <a:rPr lang="en-US" sz="2400" dirty="0"/>
               <a:t>Most profiles are incomplete, there are some repetitions</a:t>
             </a:r>
           </a:p>
           <a:p>
             <a:pPr marL="488250" lvl="2" indent="-285750"/>
             <a:r>
-              <a:rPr lang="en-US" dirty="0"/>
+              <a:rPr lang="en-US" sz="2400" dirty="0"/>
               <a:t>Further correlation analysis is needed</a:t>
             </a:r>
-            <a:endParaRPr lang="es-ES" dirty="0"/>
+            <a:endParaRPr lang="es-ES" sz="2400" dirty="0"/>
           </a:p>
           <a:p>
             <a:pPr marL="488250" lvl="2" indent="-285750"/>
             <a:r>
-              <a:rPr lang="es-ES" dirty="0" err="1"/>
+              <a:rPr lang="es-ES" sz="2400" dirty="0" err="1"/>
               <a:t>DataCleaner</a:t>
             </a:r>
             <a:r>
-              <a:rPr lang="es-ES" dirty="0"/>
+              <a:rPr lang="es-ES" sz="2400" dirty="0"/>
               <a:t> </a:t>
             </a:r>
             <a:r>
-              <a:rPr lang="es-ES" dirty="0" err="1"/>
+              <a:rPr lang="es-ES" sz="2400" dirty="0" err="1"/>
               <a:t>seems</a:t>
             </a:r>
             <a:r>
-              <a:rPr lang="es-ES" dirty="0"/>
+              <a:rPr lang="es-ES" sz="2400" dirty="0"/>
               <a:t> </a:t>
             </a:r>
             <a:r>
-              <a:rPr lang="es-ES" dirty="0" err="1"/>
+              <a:rPr lang="es-ES" sz="2400" dirty="0" err="1"/>
               <a:t>useful</a:t>
             </a:r>
             <a:r>
-              <a:rPr lang="es-ES" dirty="0"/>
+              <a:rPr lang="es-ES" sz="2400" dirty="0"/>
               <a:t> and </a:t>
             </a:r>
             <a:r>
-              <a:rPr lang="es-ES" dirty="0" err="1"/>
+              <a:rPr lang="es-ES" sz="2400" dirty="0" err="1"/>
               <a:t>promising</a:t>
             </a:r>
             <a:r>
-              <a:rPr lang="es-ES" dirty="0"/>
+              <a:rPr lang="es-ES" sz="2400" dirty="0"/>
               <a:t>, </a:t>
             </a:r>
             <a:r>
-              <a:rPr lang="es-ES" dirty="0" err="1"/>
+              <a:rPr lang="es-ES" sz="2400" dirty="0" err="1"/>
               <a:t>even</a:t>
             </a:r>
             <a:r>
-              <a:rPr lang="es-ES" dirty="0"/>
+              <a:rPr lang="es-ES" sz="2400" dirty="0"/>
               <a:t> </a:t>
             </a:r>
             <a:r>
-              <a:rPr lang="es-ES" dirty="0" err="1"/>
+              <a:rPr lang="es-ES" sz="2400" dirty="0" err="1"/>
               <a:t>for</a:t>
             </a:r>
             <a:r>
-              <a:rPr lang="es-ES" dirty="0"/>
+              <a:rPr lang="es-ES" sz="2400" dirty="0"/>
               <a:t> more </a:t>
             </a:r>
             <a:r>
-              <a:rPr lang="es-ES" dirty="0" err="1"/>
+              <a:rPr lang="es-ES" sz="2400" dirty="0" err="1"/>
               <a:t>complex</a:t>
             </a:r>
             <a:r>
-              <a:rPr lang="es-ES" dirty="0"/>
+              <a:rPr lang="es-ES" sz="2400" dirty="0"/>
               <a:t> </a:t>
             </a:r>
             <a:r>
-              <a:rPr lang="es-ES" dirty="0" err="1"/>
+              <a:rPr lang="es-ES" sz="2400" dirty="0" err="1"/>
               <a:t>tasks</a:t>
             </a:r>
             <a:r>
-              <a:rPr lang="es-ES" dirty="0"/>
+              <a:rPr lang="es-ES" sz="2400" dirty="0"/>
               <a:t>!</a:t>
             </a:r>
-            <a:endParaRPr lang="en-US" dirty="0"/>
+            <a:endParaRPr lang="en-US" sz="2400" dirty="0"/>
           </a:p>
         </p:txBody>
       </p:sp>
     </p:spTree>
     <p:extLst>
       <p:ext uri="{BB962C8B-B14F-4D97-AF65-F5344CB8AC3E}">
-        <p14:creationId xmlns:p14="http://schemas.microsoft.com/office/powerpoint/2010/main" val="3862494435"/>
+        <p14:creationId xmlns:p14="http://schemas.microsoft.com/office/powerpoint/2010/main" val="3022702689"/>
       </p:ext>
     </p:extLst>
   </p:cSld>
@@ -17713,7 +17894,7 @@
 </p:sld>
 </file>
 
-<file path=ppt/slides/slide33.xml><?xml version="1.0" encoding="utf-8"?>
+<file path=ppt/slides/slide34.xml><?xml version="1.0" encoding="utf-8"?>
 <p:sld xmlns:a="http://schemas.openxmlformats.org/drawingml/2006/main" xmlns:r="http://schemas.openxmlformats.org/officeDocument/2006/relationships" xmlns:p="http://schemas.openxmlformats.org/presentationml/2006/main" show="0">
   <p:cSld>
     <p:spTree>
@@ -17889,7 +18070,7 @@
           <a:p>
             <a:fld id="{B7CEC10D-CD46-426F-915E-6C78530279CB}" type="slidenum">
               <a:rPr lang="en-US" smtClean="0"/>
-              <a:t>33</a:t>
+              <a:t>34</a:t>
             </a:fld>
             <a:endParaRPr lang="en-US" dirty="0"/>
           </a:p>
@@ -18001,7 +18182,7 @@
 </p:sld>
 </file>
 
-<file path=ppt/slides/slide34.xml><?xml version="1.0" encoding="utf-8"?>
+<file path=ppt/slides/slide35.xml><?xml version="1.0" encoding="utf-8"?>
 <p:sld xmlns:a="http://schemas.openxmlformats.org/drawingml/2006/main" xmlns:r="http://schemas.openxmlformats.org/officeDocument/2006/relationships" xmlns:p="http://schemas.openxmlformats.org/presentationml/2006/main">
   <p:cSld>
     <p:spTree>
@@ -18070,7 +18251,7 @@
           <a:p>
             <a:fld id="{B7CEC10D-CD46-426F-915E-6C78530279CB}" type="slidenum">
               <a:rPr lang="en-US" smtClean="0"/>
-              <a:t>34</a:t>
+              <a:t>35</a:t>
             </a:fld>
             <a:endParaRPr lang="en-US" dirty="0"/>
           </a:p>
@@ -18448,7 +18629,7 @@
 </p:sld>
 </file>
 
-<file path=ppt/slides/slide35.xml><?xml version="1.0" encoding="utf-8"?>
+<file path=ppt/slides/slide36.xml><?xml version="1.0" encoding="utf-8"?>
 <p:sld xmlns:a="http://schemas.openxmlformats.org/drawingml/2006/main" xmlns:r="http://schemas.openxmlformats.org/officeDocument/2006/relationships" xmlns:p="http://schemas.openxmlformats.org/presentationml/2006/main">
   <p:cSld>
     <p:spTree>
@@ -18520,59 +18701,59 @@
           <a:lstStyle/>
           <a:p>
             <a:r>
-              <a:rPr lang="es-ES" dirty="0" err="1"/>
+              <a:rPr lang="es-ES" sz="2000" dirty="0" err="1"/>
               <a:t>Topic</a:t>
             </a:r>
             <a:r>
-              <a:rPr lang="es-ES" dirty="0"/>
+              <a:rPr lang="es-ES" sz="2000" dirty="0"/>
               <a:t> </a:t>
             </a:r>
             <a:r>
-              <a:rPr lang="es-ES" dirty="0" err="1"/>
+              <a:rPr lang="es-ES" sz="2000" dirty="0" err="1"/>
               <a:t>Modeling</a:t>
             </a:r>
             <a:r>
-              <a:rPr lang="es-ES" dirty="0"/>
+              <a:rPr lang="es-ES" sz="2000" dirty="0"/>
               <a:t> (LDA) </a:t>
             </a:r>
             <a:r>
-              <a:rPr lang="es-ES" dirty="0" err="1"/>
+              <a:rPr lang="es-ES" sz="2000" dirty="0" err="1"/>
               <a:t>over</a:t>
             </a:r>
             <a:r>
-              <a:rPr lang="es-ES" dirty="0"/>
+              <a:rPr lang="es-ES" sz="2000" dirty="0"/>
               <a:t> </a:t>
             </a:r>
             <a:r>
-              <a:rPr lang="es-ES" dirty="0" err="1"/>
+              <a:rPr lang="es-ES" sz="2000" dirty="0" err="1"/>
               <a:t>skills</a:t>
             </a:r>
             <a:r>
-              <a:rPr lang="es-ES" dirty="0"/>
+              <a:rPr lang="es-ES" sz="2000" dirty="0"/>
               <a:t> </a:t>
             </a:r>
             <a:r>
-              <a:rPr lang="es-ES" dirty="0" err="1"/>
+              <a:rPr lang="es-ES" sz="2000" dirty="0" err="1"/>
               <a:t>dataset</a:t>
             </a:r>
             <a:r>
-              <a:rPr lang="es-ES" dirty="0"/>
+              <a:rPr lang="es-ES" sz="2000" dirty="0"/>
               <a:t> (and </a:t>
             </a:r>
             <a:r>
-              <a:rPr lang="es-ES" dirty="0" err="1"/>
+              <a:rPr lang="es-ES" sz="2000" dirty="0" err="1"/>
               <a:t>this</a:t>
             </a:r>
             <a:r>
-              <a:rPr lang="es-ES" dirty="0"/>
+              <a:rPr lang="es-ES" sz="2000" dirty="0"/>
               <a:t> </a:t>
             </a:r>
             <a:r>
-              <a:rPr lang="es-ES" dirty="0" err="1"/>
+              <a:rPr lang="es-ES" sz="2000" dirty="0" err="1"/>
               <a:t>presentation</a:t>
             </a:r>
             <a:r>
-              <a:rPr lang="es-ES" dirty="0"/>
+              <a:rPr lang="es-ES" sz="2000" dirty="0"/>
               <a:t>):</a:t>
             </a:r>
           </a:p>
@@ -18582,16 +18763,16 @@
               <a:buChar char="•"/>
             </a:pPr>
             <a:r>
-              <a:rPr lang="en-US" dirty="0">
+              <a:rPr lang="en-US" sz="2000" dirty="0">
                 <a:hlinkClick r:id="rId2"/>
               </a:rPr>
               <a:t>https://github.com/mgarriga/skills-topic-modeling</a:t>
             </a:r>
-            <a:endParaRPr lang="en-US" dirty="0"/>
-          </a:p>
-          <a:p>
-            <a:r>
-              <a:rPr lang="en-US" dirty="0"/>
+            <a:endParaRPr lang="en-US" sz="2000" dirty="0"/>
+          </a:p>
+          <a:p>
+            <a:r>
+              <a:rPr lang="en-US" sz="2000" dirty="0"/>
               <a:t>Skills dataset source:</a:t>
             </a:r>
           </a:p>
@@ -18601,16 +18782,16 @@
               <a:buChar char="•"/>
             </a:pPr>
             <a:r>
-              <a:rPr lang="en-US" dirty="0">
+              <a:rPr lang="en-US" sz="2000" dirty="0">
                 <a:hlinkClick r:id="rId3"/>
               </a:rPr>
               <a:t>https://data.world/peopledatalabs</a:t>
             </a:r>
-            <a:endParaRPr lang="en-US" dirty="0"/>
-          </a:p>
-          <a:p>
-            <a:r>
-              <a:rPr lang="en-US" dirty="0"/>
+            <a:endParaRPr lang="en-US" sz="2000" dirty="0"/>
+          </a:p>
+          <a:p>
+            <a:r>
+              <a:rPr lang="en-US" sz="2000" dirty="0"/>
               <a:t>Data Cleaner tool (1° in Open Source tools):</a:t>
             </a:r>
           </a:p>
@@ -18620,12 +18801,12 @@
               <a:buChar char="•"/>
             </a:pPr>
             <a:r>
-              <a:rPr lang="en-US" dirty="0">
+              <a:rPr lang="en-US" sz="2000" dirty="0">
                 <a:hlinkClick r:id="rId4"/>
               </a:rPr>
               <a:t>https://datacleaner.github.io/</a:t>
             </a:r>
-            <a:endParaRPr lang="en-US" dirty="0"/>
+            <a:endParaRPr lang="en-US" sz="2000" dirty="0"/>
           </a:p>
         </p:txBody>
       </p:sp>
@@ -18681,7 +18862,7 @@
           <a:p>
             <a:fld id="{B7CEC10D-CD46-426F-915E-6C78530279CB}" type="slidenum">
               <a:rPr lang="en-US" smtClean="0"/>
-              <a:t>35</a:t>
+              <a:t>36</a:t>
             </a:fld>
             <a:endParaRPr lang="en-US" dirty="0"/>
           </a:p>
@@ -18778,13 +18959,13 @@
   <p:clrMapOvr>
     <a:masterClrMapping/>
   </p:clrMapOvr>
-  <mc:AlternateContent xmlns:mc="http://schemas.openxmlformats.org/markup-compatibility/2006">
-    <mc:Choice xmlns:p14="http://schemas.microsoft.com/office/powerpoint/2010/main" Requires="p14">
+  <mc:AlternateContent xmlns:mc="http://schemas.openxmlformats.org/markup-compatibility/2006" xmlns:p14="http://schemas.microsoft.com/office/powerpoint/2010/main">
+    <mc:Choice Requires="p14">
       <p:transition spd="med" p14:dur="700">
         <p:fade/>
       </p:transition>
     </mc:Choice>
-    <mc:Fallback>
+    <mc:Fallback xmlns="">
       <p:transition spd="med">
         <p:fade/>
       </p:transition>
@@ -18793,7 +18974,7 @@
 </p:sld>
 </file>
 
-<file path=ppt/slides/slide36.xml><?xml version="1.0" encoding="utf-8"?>
+<file path=ppt/slides/slide37.xml><?xml version="1.0" encoding="utf-8"?>
 <p:sld xmlns:a="http://schemas.openxmlformats.org/drawingml/2006/main" xmlns:r="http://schemas.openxmlformats.org/officeDocument/2006/relationships" xmlns:p="http://schemas.openxmlformats.org/presentationml/2006/main">
   <p:cSld>
     <p:bg>
@@ -18874,7 +19055,7 @@
             <a:fld id="{B7CEC10D-CD46-426F-915E-6C78530279CB}" type="slidenum">
               <a:rPr lang="en-US" smtClean="0"/>
               <a:pPr/>
-              <a:t>36</a:t>
+              <a:t>37</a:t>
             </a:fld>
             <a:endParaRPr lang="en-US" dirty="0"/>
           </a:p>
